--- a/test/pptx/speaker-notes/output.pptx
+++ b/test/pptx/speaker-notes/output.pptx
@@ -5,7 +5,7 @@
     <p:sldMasterId id="2147483648" r:id="rId1"/>
   </p:sldMasterIdLst>
   <p:notesMasterIdLst>
-    <p:NotesMasterId r:id="rId6"/>
+    <p:notesMasterId r:id="rId6"/>
   </p:notesMasterIdLst>
   <p:sldIdLst>
     <p:sldId id="256" r:id="rId2"/>

--- a/test/pptx/speaker-notes/output.pptx
+++ b/test/pptx/speaker-notes/output.pptx
@@ -3365,7 +3365,7 @@
 </file>
 
 <file path=ppt/slideMasters/slideMaster1.xml><?xml version="1.0" encoding="utf-8"?>
-<p:sldMaster xmlns:a="http://schemas.openxmlformats.org/drawingml/2006/main" xmlns:r="http://schemas.openxmlformats.org/officeDocument/2006/relationships" xmlns:p="http://schemas.openxmlformats.org/presentationml/2006/main">
+<p:sldMaster xmlns:a="http://schemas.openxmlformats.org/drawingml/2006/main" xmlns:p="http://schemas.openxmlformats.org/presentationml/2006/main" xmlns:r="http://schemas.openxmlformats.org/officeDocument/2006/relationships">
   <p:cSld>
     <p:bg>
       <p:bgRef idx="1001">
@@ -3406,7 +3406,7 @@
           </a:prstGeom>
         </p:spPr>
         <p:txBody>
-          <a:bodyPr vert="horz" lIns="91440" tIns="45720" rIns="91440" bIns="45720" rtlCol="0" anchor="ctr">
+          <a:bodyPr anchor="ctr" bIns="45720" lIns="91440" rIns="91440" rtlCol="0" tIns="45720" vert="horz">
             <a:normAutofit/>
           </a:bodyPr>
           <a:lstStyle/>
@@ -3426,7 +3426,7 @@
             <a:spLocks noGrp="1"/>
           </p:cNvSpPr>
           <p:nvPr>
-            <p:ph type="body" idx="1"/>
+            <p:ph idx="1" type="body"/>
           </p:nvPr>
         </p:nvSpPr>
         <p:spPr>
@@ -3439,7 +3439,7 @@
           </a:prstGeom>
         </p:spPr>
         <p:txBody>
-          <a:bodyPr vert="horz" lIns="91440" tIns="45720" rIns="91440" bIns="45720" rtlCol="0">
+          <a:bodyPr bIns="45720" lIns="91440" rIns="91440" rtlCol="0" tIns="45720" vert="horz">
             <a:normAutofit/>
           </a:bodyPr>
           <a:lstStyle/>
@@ -3488,7 +3488,7 @@
             <a:spLocks noGrp="1"/>
           </p:cNvSpPr>
           <p:nvPr>
-            <p:ph type="dt" sz="half" idx="2"/>
+            <p:ph idx="2" sz="half" type="dt"/>
           </p:nvPr>
         </p:nvSpPr>
         <p:spPr>
@@ -3501,7 +3501,7 @@
           </a:prstGeom>
         </p:spPr>
         <p:txBody>
-          <a:bodyPr vert="horz" lIns="91440" tIns="45720" rIns="91440" bIns="45720" rtlCol="0" anchor="ctr"/>
+          <a:bodyPr anchor="ctr" bIns="45720" lIns="91440" rIns="91440" rtlCol="0" tIns="45720" vert="horz"/>
           <a:lstStyle>
             <a:lvl1pPr algn="l">
               <a:defRPr sz="1200">
@@ -3529,7 +3529,7 @@
             <a:spLocks noGrp="1"/>
           </p:cNvSpPr>
           <p:nvPr>
-            <p:ph type="ftr" sz="quarter" idx="3"/>
+            <p:ph idx="3" sz="quarter" type="ftr"/>
           </p:nvPr>
         </p:nvSpPr>
         <p:spPr>
@@ -3542,7 +3542,7 @@
           </a:prstGeom>
         </p:spPr>
         <p:txBody>
-          <a:bodyPr vert="horz" lIns="91440" tIns="45720" rIns="91440" bIns="45720" rtlCol="0" anchor="ctr"/>
+          <a:bodyPr anchor="ctr" bIns="45720" lIns="91440" rIns="91440" rtlCol="0" tIns="45720" vert="horz"/>
           <a:lstStyle>
             <a:lvl1pPr algn="ctr">
               <a:defRPr sz="1200">
@@ -3566,7 +3566,7 @@
             <a:spLocks noGrp="1"/>
           </p:cNvSpPr>
           <p:nvPr>
-            <p:ph type="sldNum" sz="quarter" idx="4"/>
+            <p:ph idx="4" sz="quarter" type="sldNum"/>
           </p:nvPr>
         </p:nvSpPr>
         <p:spPr>
@@ -3579,7 +3579,7 @@
           </a:prstGeom>
         </p:spPr>
         <p:txBody>
-          <a:bodyPr vert="horz" lIns="91440" tIns="45720" rIns="91440" bIns="45720" rtlCol="0" anchor="ctr"/>
+          <a:bodyPr anchor="ctr" bIns="45720" lIns="91440" rIns="91440" rtlCol="0" tIns="45720" vert="horz"/>
           <a:lstStyle>
             <a:lvl1pPr algn="r">
               <a:defRPr sz="1200">
@@ -3607,7 +3607,7 @@
       </p:ext>
     </p:extLst>
   </p:cSld>
-  <p:clrMap bg1="lt1" tx1="dk1" bg2="lt2" tx2="dk2" accent1="accent1" accent2="accent2" accent3="accent3" accent4="accent4" accent5="accent5" accent6="accent6" hlink="hlink" folHlink="folHlink"/>
+  <p:clrMap accent1="accent1" accent2="accent2" accent3="accent3" accent4="accent4" accent5="accent5" accent6="accent6" bg1="lt1" bg2="lt2" folHlink="folHlink" hlink="hlink" tx1="dk1" tx2="dk2"/>
   <p:sldLayoutIdLst>
     <p:sldLayoutId id="2147483649" r:id="rId1"/>
     <p:sldLayoutId id="2147483650" r:id="rId2"/>
@@ -3623,12 +3623,12 @@
   </p:sldLayoutIdLst>
   <p:txStyles>
     <p:titleStyle>
-      <a:lvl1pPr algn="ctr" defTabSz="457200" rtl="0" eaLnBrk="1" latinLnBrk="0" hangingPunct="1">
+      <a:lvl1pPr algn="ctr" defTabSz="457200" eaLnBrk="1" hangingPunct="1" latinLnBrk="0" rtl="0">
         <a:spcBef>
           <a:spcPct val="0"/>
         </a:spcBef>
         <a:buNone/>
-        <a:defRPr sz="4400" kern="1200">
+        <a:defRPr kern="1200" sz="4400">
           <a:solidFill>
             <a:schemeClr val="tx1"/>
           </a:solidFill>
@@ -3639,13 +3639,13 @@
       </a:lvl1pPr>
     </p:titleStyle>
     <p:bodyStyle>
-      <a:lvl1pPr marL="342900" indent="-342900" algn="l" defTabSz="457200" rtl="0" eaLnBrk="1" latinLnBrk="0" hangingPunct="1">
+      <a:lvl1pPr algn="l" defTabSz="457200" eaLnBrk="1" hangingPunct="1" indent="-342900" latinLnBrk="0" marL="342900" rtl="0">
         <a:spcBef>
           <a:spcPct val="20000"/>
         </a:spcBef>
         <a:buFont typeface="Arial"/>
         <a:buChar char="•"/>
-        <a:defRPr sz="3200" kern="1200">
+        <a:defRPr kern="1200" sz="3200">
           <a:solidFill>
             <a:schemeClr val="tx1"/>
           </a:solidFill>
@@ -3654,13 +3654,13 @@
           <a:cs typeface="+mn-cs"/>
         </a:defRPr>
       </a:lvl1pPr>
-      <a:lvl2pPr marL="742950" indent="-285750" algn="l" defTabSz="457200" rtl="0" eaLnBrk="1" latinLnBrk="0" hangingPunct="1">
+      <a:lvl2pPr algn="l" defTabSz="457200" eaLnBrk="1" hangingPunct="1" indent="-285750" latinLnBrk="0" marL="742950" rtl="0">
         <a:spcBef>
           <a:spcPct val="20000"/>
         </a:spcBef>
         <a:buFont typeface="Arial"/>
         <a:buChar char="–"/>
-        <a:defRPr sz="2800" kern="1200">
+        <a:defRPr kern="1200" sz="2800">
           <a:solidFill>
             <a:schemeClr val="tx1"/>
           </a:solidFill>
@@ -3669,13 +3669,13 @@
           <a:cs typeface="+mn-cs"/>
         </a:defRPr>
       </a:lvl2pPr>
-      <a:lvl3pPr marL="1143000" indent="-228600" algn="l" defTabSz="457200" rtl="0" eaLnBrk="1" latinLnBrk="0" hangingPunct="1">
+      <a:lvl3pPr algn="l" defTabSz="457200" eaLnBrk="1" hangingPunct="1" indent="-228600" latinLnBrk="0" marL="1143000" rtl="0">
         <a:spcBef>
           <a:spcPct val="20000"/>
         </a:spcBef>
         <a:buFont typeface="Arial"/>
         <a:buChar char="•"/>
-        <a:defRPr sz="2400" kern="1200">
+        <a:defRPr kern="1200" sz="2400">
           <a:solidFill>
             <a:schemeClr val="tx1"/>
           </a:solidFill>
@@ -3684,13 +3684,13 @@
           <a:cs typeface="+mn-cs"/>
         </a:defRPr>
       </a:lvl3pPr>
-      <a:lvl4pPr marL="1600200" indent="-228600" algn="l" defTabSz="457200" rtl="0" eaLnBrk="1" latinLnBrk="0" hangingPunct="1">
+      <a:lvl4pPr algn="l" defTabSz="457200" eaLnBrk="1" hangingPunct="1" indent="-228600" latinLnBrk="0" marL="1600200" rtl="0">
         <a:spcBef>
           <a:spcPct val="20000"/>
         </a:spcBef>
         <a:buFont typeface="Arial"/>
         <a:buChar char="–"/>
-        <a:defRPr sz="2000" kern="1200">
+        <a:defRPr kern="1200" sz="2000">
           <a:solidFill>
             <a:schemeClr val="tx1"/>
           </a:solidFill>
@@ -3699,13 +3699,13 @@
           <a:cs typeface="+mn-cs"/>
         </a:defRPr>
       </a:lvl4pPr>
-      <a:lvl5pPr marL="2057400" indent="-228600" algn="l" defTabSz="457200" rtl="0" eaLnBrk="1" latinLnBrk="0" hangingPunct="1">
+      <a:lvl5pPr algn="l" defTabSz="457200" eaLnBrk="1" hangingPunct="1" indent="-228600" latinLnBrk="0" marL="2057400" rtl="0">
         <a:spcBef>
           <a:spcPct val="20000"/>
         </a:spcBef>
         <a:buFont typeface="Arial"/>
         <a:buChar char="»"/>
-        <a:defRPr sz="2000" kern="1200">
+        <a:defRPr kern="1200" sz="2000">
           <a:solidFill>
             <a:schemeClr val="tx1"/>
           </a:solidFill>
@@ -3714,13 +3714,13 @@
           <a:cs typeface="+mn-cs"/>
         </a:defRPr>
       </a:lvl5pPr>
-      <a:lvl6pPr marL="2514600" indent="-228600" algn="l" defTabSz="457200" rtl="0" eaLnBrk="1" latinLnBrk="0" hangingPunct="1">
+      <a:lvl6pPr algn="l" defTabSz="457200" eaLnBrk="1" hangingPunct="1" indent="-228600" latinLnBrk="0" marL="2514600" rtl="0">
         <a:spcBef>
           <a:spcPct val="20000"/>
         </a:spcBef>
         <a:buFont typeface="Arial"/>
         <a:buChar char="•"/>
-        <a:defRPr sz="2000" kern="1200">
+        <a:defRPr kern="1200" sz="2000">
           <a:solidFill>
             <a:schemeClr val="tx1"/>
           </a:solidFill>
@@ -3729,13 +3729,13 @@
           <a:cs typeface="+mn-cs"/>
         </a:defRPr>
       </a:lvl6pPr>
-      <a:lvl7pPr marL="2971800" indent="-228600" algn="l" defTabSz="457200" rtl="0" eaLnBrk="1" latinLnBrk="0" hangingPunct="1">
+      <a:lvl7pPr algn="l" defTabSz="457200" eaLnBrk="1" hangingPunct="1" indent="-228600" latinLnBrk="0" marL="2971800" rtl="0">
         <a:spcBef>
           <a:spcPct val="20000"/>
         </a:spcBef>
         <a:buFont typeface="Arial"/>
         <a:buChar char="•"/>
-        <a:defRPr sz="2000" kern="1200">
+        <a:defRPr kern="1200" sz="2000">
           <a:solidFill>
             <a:schemeClr val="tx1"/>
           </a:solidFill>
@@ -3744,13 +3744,13 @@
           <a:cs typeface="+mn-cs"/>
         </a:defRPr>
       </a:lvl7pPr>
-      <a:lvl8pPr marL="3429000" indent="-228600" algn="l" defTabSz="457200" rtl="0" eaLnBrk="1" latinLnBrk="0" hangingPunct="1">
+      <a:lvl8pPr algn="l" defTabSz="457200" eaLnBrk="1" hangingPunct="1" indent="-228600" latinLnBrk="0" marL="3429000" rtl="0">
         <a:spcBef>
           <a:spcPct val="20000"/>
         </a:spcBef>
         <a:buFont typeface="Arial"/>
         <a:buChar char="•"/>
-        <a:defRPr sz="2000" kern="1200">
+        <a:defRPr kern="1200" sz="2000">
           <a:solidFill>
             <a:schemeClr val="tx1"/>
           </a:solidFill>
@@ -3759,13 +3759,13 @@
           <a:cs typeface="+mn-cs"/>
         </a:defRPr>
       </a:lvl8pPr>
-      <a:lvl9pPr marL="3886200" indent="-228600" algn="l" defTabSz="457200" rtl="0" eaLnBrk="1" latinLnBrk="0" hangingPunct="1">
+      <a:lvl9pPr algn="l" defTabSz="457200" eaLnBrk="1" hangingPunct="1" indent="-228600" latinLnBrk="0" marL="3886200" rtl="0">
         <a:spcBef>
           <a:spcPct val="20000"/>
         </a:spcBef>
         <a:buFont typeface="Arial"/>
         <a:buChar char="•"/>
-        <a:defRPr sz="2000" kern="1200">
+        <a:defRPr kern="1200" sz="2000">
           <a:solidFill>
             <a:schemeClr val="tx1"/>
           </a:solidFill>
@@ -3779,8 +3779,8 @@
       <a:defPPr>
         <a:defRPr lang="en-US"/>
       </a:defPPr>
-      <a:lvl1pPr marL="0" algn="l" defTabSz="457200" rtl="0" eaLnBrk="1" latinLnBrk="0" hangingPunct="1">
-        <a:defRPr sz="1800" kern="1200">
+      <a:lvl1pPr algn="l" defTabSz="457200" eaLnBrk="1" hangingPunct="1" latinLnBrk="0" marL="0" rtl="0">
+        <a:defRPr kern="1200" sz="1800">
           <a:solidFill>
             <a:schemeClr val="tx1"/>
           </a:solidFill>
@@ -3789,8 +3789,8 @@
           <a:cs typeface="+mn-cs"/>
         </a:defRPr>
       </a:lvl1pPr>
-      <a:lvl2pPr marL="457200" algn="l" defTabSz="457200" rtl="0" eaLnBrk="1" latinLnBrk="0" hangingPunct="1">
-        <a:defRPr sz="1800" kern="1200">
+      <a:lvl2pPr algn="l" defTabSz="457200" eaLnBrk="1" hangingPunct="1" latinLnBrk="0" marL="457200" rtl="0">
+        <a:defRPr kern="1200" sz="1800">
           <a:solidFill>
             <a:schemeClr val="tx1"/>
           </a:solidFill>
@@ -3799,8 +3799,8 @@
           <a:cs typeface="+mn-cs"/>
         </a:defRPr>
       </a:lvl2pPr>
-      <a:lvl3pPr marL="914400" algn="l" defTabSz="457200" rtl="0" eaLnBrk="1" latinLnBrk="0" hangingPunct="1">
-        <a:defRPr sz="1800" kern="1200">
+      <a:lvl3pPr algn="l" defTabSz="457200" eaLnBrk="1" hangingPunct="1" latinLnBrk="0" marL="914400" rtl="0">
+        <a:defRPr kern="1200" sz="1800">
           <a:solidFill>
             <a:schemeClr val="tx1"/>
           </a:solidFill>
@@ -3809,8 +3809,8 @@
           <a:cs typeface="+mn-cs"/>
         </a:defRPr>
       </a:lvl3pPr>
-      <a:lvl4pPr marL="1371600" algn="l" defTabSz="457200" rtl="0" eaLnBrk="1" latinLnBrk="0" hangingPunct="1">
-        <a:defRPr sz="1800" kern="1200">
+      <a:lvl4pPr algn="l" defTabSz="457200" eaLnBrk="1" hangingPunct="1" latinLnBrk="0" marL="1371600" rtl="0">
+        <a:defRPr kern="1200" sz="1800">
           <a:solidFill>
             <a:schemeClr val="tx1"/>
           </a:solidFill>
@@ -3819,8 +3819,8 @@
           <a:cs typeface="+mn-cs"/>
         </a:defRPr>
       </a:lvl4pPr>
-      <a:lvl5pPr marL="1828800" algn="l" defTabSz="457200" rtl="0" eaLnBrk="1" latinLnBrk="0" hangingPunct="1">
-        <a:defRPr sz="1800" kern="1200">
+      <a:lvl5pPr algn="l" defTabSz="457200" eaLnBrk="1" hangingPunct="1" latinLnBrk="0" marL="1828800" rtl="0">
+        <a:defRPr kern="1200" sz="1800">
           <a:solidFill>
             <a:schemeClr val="tx1"/>
           </a:solidFill>
@@ -3829,8 +3829,8 @@
           <a:cs typeface="+mn-cs"/>
         </a:defRPr>
       </a:lvl5pPr>
-      <a:lvl6pPr marL="2286000" algn="l" defTabSz="457200" rtl="0" eaLnBrk="1" latinLnBrk="0" hangingPunct="1">
-        <a:defRPr sz="1800" kern="1200">
+      <a:lvl6pPr algn="l" defTabSz="457200" eaLnBrk="1" hangingPunct="1" latinLnBrk="0" marL="2286000" rtl="0">
+        <a:defRPr kern="1200" sz="1800">
           <a:solidFill>
             <a:schemeClr val="tx1"/>
           </a:solidFill>
@@ -3839,8 +3839,8 @@
           <a:cs typeface="+mn-cs"/>
         </a:defRPr>
       </a:lvl6pPr>
-      <a:lvl7pPr marL="2743200" algn="l" defTabSz="457200" rtl="0" eaLnBrk="1" latinLnBrk="0" hangingPunct="1">
-        <a:defRPr sz="1800" kern="1200">
+      <a:lvl7pPr algn="l" defTabSz="457200" eaLnBrk="1" hangingPunct="1" latinLnBrk="0" marL="2743200" rtl="0">
+        <a:defRPr kern="1200" sz="1800">
           <a:solidFill>
             <a:schemeClr val="tx1"/>
           </a:solidFill>
@@ -3849,8 +3849,8 @@
           <a:cs typeface="+mn-cs"/>
         </a:defRPr>
       </a:lvl7pPr>
-      <a:lvl8pPr marL="3200400" algn="l" defTabSz="457200" rtl="0" eaLnBrk="1" latinLnBrk="0" hangingPunct="1">
-        <a:defRPr sz="1800" kern="1200">
+      <a:lvl8pPr algn="l" defTabSz="457200" eaLnBrk="1" hangingPunct="1" latinLnBrk="0" marL="3200400" rtl="0">
+        <a:defRPr kern="1200" sz="1800">
           <a:solidFill>
             <a:schemeClr val="tx1"/>
           </a:solidFill>
@@ -3859,8 +3859,8 @@
           <a:cs typeface="+mn-cs"/>
         </a:defRPr>
       </a:lvl8pPr>
-      <a:lvl9pPr marL="3657600" algn="l" defTabSz="457200" rtl="0" eaLnBrk="1" latinLnBrk="0" hangingPunct="1">
-        <a:defRPr sz="1800" kern="1200">
+      <a:lvl9pPr algn="l" defTabSz="457200" eaLnBrk="1" hangingPunct="1" latinLnBrk="0" marL="3657600" rtl="0">
+        <a:defRPr kern="1200" sz="1800">
           <a:solidFill>
             <a:schemeClr val="tx1"/>
           </a:solidFill>

--- a/test/pptx/speaker-notes/output.pptx
+++ b/test/pptx/speaker-notes/output.pptx
@@ -523,7 +523,7 @@
           <a:bodyPr/>
           <a:lstStyle/>
           <a:p>
-            <a:pPr lvl="0" marL="0" indent="0">
+            <a:pPr lvl="0" indent="0" marL="0">
               <a:buNone/>
             </a:pPr>
             <a:r>
@@ -532,12 +532,12 @@
             </a:r>
           </a:p>
           <a:p>
-            <a:pPr lvl="0" marL="0" indent="0">
+            <a:pPr lvl="0" indent="0" marL="0">
               <a:buNone/>
             </a:pPr>
           </a:p>
           <a:p>
-            <a:pPr lvl="0" marL="0" indent="0">
+            <a:pPr lvl="0" indent="0" marL="0">
               <a:buNone/>
             </a:pPr>
             <a:r>
@@ -635,7 +635,7 @@
           <a:bodyPr/>
           <a:lstStyle/>
           <a:p>
-            <a:pPr lvl="0" marL="0" indent="0">
+            <a:pPr lvl="0" indent="0" marL="0">
               <a:buNone/>
             </a:pPr>
             <a:r>
@@ -644,12 +644,12 @@
             </a:r>
           </a:p>
           <a:p>
-            <a:pPr lvl="0" marL="0" indent="0">
+            <a:pPr lvl="0" indent="0" marL="0">
               <a:buNone/>
             </a:pPr>
           </a:p>
           <a:p>
-            <a:pPr lvl="0" marL="0" indent="0">
+            <a:pPr lvl="0" indent="0" marL="0">
               <a:buNone/>
             </a:pPr>
             <a:r>
@@ -731,7 +731,7 @@
           <a:bodyPr/>
           <a:lstStyle/>
           <a:p>
-            <a:pPr lvl="0" marL="0" indent="0">
+            <a:pPr lvl="0" indent="0" marL="0">
               <a:buNone/>
             </a:pPr>
             <a:r>
@@ -740,12 +740,12 @@
             </a:r>
           </a:p>
           <a:p>
-            <a:pPr lvl="0" marL="0" indent="0">
+            <a:pPr lvl="0" indent="0" marL="0">
               <a:buNone/>
             </a:pPr>
           </a:p>
           <a:p>
-            <a:pPr lvl="0" marL="0" indent="0">
+            <a:pPr lvl="0" indent="0" marL="0">
               <a:buNone/>
             </a:pPr>
             <a:r>
@@ -3519,7 +3519,7 @@
       </a:lvl1pPr>
     </p:titleStyle>
     <p:bodyStyle>
-      <a:lvl1pPr algn="l" defTabSz="457200" eaLnBrk="1" hangingPunct="1" indent="-342900" latinLnBrk="0" marL="342900" rtl="0">
+      <a:lvl1pPr algn="l" defTabSz="457200" eaLnBrk="1" hangingPunct="1" indent="-457200" latinLnBrk="0" marL="457200" rtl="0">
         <a:spcBef>
           <a:spcPct val="20000"/>
         </a:spcBef>
@@ -3534,7 +3534,7 @@
           <a:cs typeface="+mn-cs"/>
         </a:defRPr>
       </a:lvl1pPr>
-      <a:lvl2pPr algn="l" defTabSz="457200" eaLnBrk="1" hangingPunct="1" indent="-285750" latinLnBrk="0" marL="742950" rtl="0">
+      <a:lvl2pPr algn="l" defTabSz="457200" eaLnBrk="1" hangingPunct="1" indent="-457200" latinLnBrk="0" marL="914400" rtl="0">
         <a:spcBef>
           <a:spcPct val="20000"/>
         </a:spcBef>
@@ -3549,7 +3549,7 @@
           <a:cs typeface="+mn-cs"/>
         </a:defRPr>
       </a:lvl2pPr>
-      <a:lvl3pPr algn="l" defTabSz="457200" eaLnBrk="1" hangingPunct="1" indent="-228600" latinLnBrk="0" marL="1143000" rtl="0">
+      <a:lvl3pPr algn="l" defTabSz="457200" eaLnBrk="1" hangingPunct="1" indent="-457200" latinLnBrk="0" marL="1371600" rtl="0">
         <a:spcBef>
           <a:spcPct val="20000"/>
         </a:spcBef>
@@ -3564,7 +3564,7 @@
           <a:cs typeface="+mn-cs"/>
         </a:defRPr>
       </a:lvl3pPr>
-      <a:lvl4pPr algn="l" defTabSz="457200" eaLnBrk="1" hangingPunct="1" indent="-228600" latinLnBrk="0" marL="1600200" rtl="0">
+      <a:lvl4pPr algn="l" defTabSz="457200" eaLnBrk="1" hangingPunct="1" indent="-457200" latinLnBrk="0" marL="1828800" rtl="0">
         <a:spcBef>
           <a:spcPct val="20000"/>
         </a:spcBef>
@@ -3579,7 +3579,7 @@
           <a:cs typeface="+mn-cs"/>
         </a:defRPr>
       </a:lvl4pPr>
-      <a:lvl5pPr algn="l" defTabSz="457200" eaLnBrk="1" hangingPunct="1" indent="-228600" latinLnBrk="0" marL="2057400" rtl="0">
+      <a:lvl5pPr algn="l" defTabSz="457200" eaLnBrk="1" hangingPunct="1" indent="-457200" latinLnBrk="0" marL="2286000" rtl="0">
         <a:spcBef>
           <a:spcPct val="20000"/>
         </a:spcBef>
@@ -3594,7 +3594,7 @@
           <a:cs typeface="+mn-cs"/>
         </a:defRPr>
       </a:lvl5pPr>
-      <a:lvl6pPr algn="l" defTabSz="457200" eaLnBrk="1" hangingPunct="1" indent="-228600" latinLnBrk="0" marL="2514600" rtl="0">
+      <a:lvl6pPr algn="l" defTabSz="457200" eaLnBrk="1" hangingPunct="1" indent="-457200" latinLnBrk="0" marL="2743200" rtl="0">
         <a:spcBef>
           <a:spcPct val="20000"/>
         </a:spcBef>
@@ -3609,7 +3609,7 @@
           <a:cs typeface="+mn-cs"/>
         </a:defRPr>
       </a:lvl6pPr>
-      <a:lvl7pPr algn="l" defTabSz="457200" eaLnBrk="1" hangingPunct="1" indent="-228600" latinLnBrk="0" marL="2971800" rtl="0">
+      <a:lvl7pPr algn="l" defTabSz="457200" eaLnBrk="1" hangingPunct="1" indent="-457200" latinLnBrk="0" marL="3200400" rtl="0">
         <a:spcBef>
           <a:spcPct val="20000"/>
         </a:spcBef>
@@ -3624,7 +3624,7 @@
           <a:cs typeface="+mn-cs"/>
         </a:defRPr>
       </a:lvl7pPr>
-      <a:lvl8pPr algn="l" defTabSz="457200" eaLnBrk="1" hangingPunct="1" indent="-228600" latinLnBrk="0" marL="3429000" rtl="0">
+      <a:lvl8pPr algn="l" defTabSz="457200" eaLnBrk="1" hangingPunct="1" indent="-457200" latinLnBrk="0" marL="3657600" rtl="0">
         <a:spcBef>
           <a:spcPct val="20000"/>
         </a:spcBef>
@@ -3639,7 +3639,7 @@
           <a:cs typeface="+mn-cs"/>
         </a:defRPr>
       </a:lvl8pPr>
-      <a:lvl9pPr algn="l" defTabSz="457200" eaLnBrk="1" hangingPunct="1" indent="-228600" latinLnBrk="0" marL="3886200" rtl="0">
+      <a:lvl9pPr algn="l" defTabSz="457200" eaLnBrk="1" hangingPunct="1" indent="-457200" latinLnBrk="0" marL="4114800" rtl="0">
         <a:spcBef>
           <a:spcPct val="20000"/>
         </a:spcBef>
@@ -3786,7 +3786,7 @@
           <a:bodyPr/>
           <a:lstStyle/>
           <a:p>
-            <a:pPr lvl="0" marL="0" indent="0">
+            <a:pPr lvl="0" indent="0" marL="0">
               <a:buNone/>
             </a:pPr>
             <a:r>
@@ -3833,7 +3833,7 @@
           <a:bodyPr/>
           <a:lstStyle/>
           <a:p>
-            <a:pPr lvl="0" marL="0" indent="0">
+            <a:pPr lvl="0" indent="0" marL="0">
               <a:buNone/>
             </a:pPr>
             <a:r>
@@ -3880,7 +3880,7 @@
           <a:bodyPr/>
           <a:lstStyle/>
           <a:p>
-            <a:pPr lvl="0" marL="0" indent="0">
+            <a:pPr lvl="0" indent="0" marL="0">
               <a:buNone/>
             </a:pPr>
             <a:r>
@@ -3927,7 +3927,7 @@
           <a:bodyPr/>
           <a:lstStyle/>
           <a:p>
-            <a:pPr lvl="0" marL="0" indent="0">
+            <a:pPr lvl="0" indent="0" marL="0">
               <a:buNone/>
             </a:pPr>
             <a:r>

--- a/test/pptx/speaker-notes/output.pptx
+++ b/test/pptx/speaker-notes/output.pptx
@@ -528,77 +528,37 @@
             </a:pPr>
             <a:r>
               <a:rPr/>
-              <a:t>Here</a:t>
+              <a:t>Here is a note.</a:t>
+            </a:r>
+          </a:p>
+          <a:p>
+            <a:pPr lvl="0" marL="0" indent="0">
+              <a:buNone/>
+            </a:pPr>
+          </a:p>
+          <a:p>
+            <a:pPr lvl="0" marL="0" indent="0">
+              <a:buNone/>
+            </a:pPr>
+            <a:r>
+              <a:rPr/>
+              <a:t>Here is </a:t>
+            </a:r>
+            <a:r>
+              <a:rPr i="1"/>
+              <a:t>some</a:t>
             </a:r>
             <a:r>
               <a:rPr/>
               <a:t> </a:t>
             </a:r>
             <a:r>
-              <a:rPr/>
-              <a:t>is</a:t>
-            </a:r>
-            <a:r>
-              <a:rPr/>
-              <a:t> </a:t>
-            </a:r>
-            <a:r>
-              <a:rPr/>
-              <a:t>a</a:t>
-            </a:r>
-            <a:r>
-              <a:rPr/>
-              <a:t> </a:t>
-            </a:r>
-            <a:r>
-              <a:rPr/>
-              <a:t>note.</a:t>
-            </a:r>
-          </a:p>
-          <a:p>
-            <a:pPr lvl="0" marL="0" indent="0">
-              <a:buNone/>
-            </a:pPr>
-          </a:p>
-          <a:p>
-            <a:pPr lvl="0" marL="0" indent="0">
-              <a:buNone/>
-            </a:pPr>
-            <a:r>
-              <a:rPr/>
-              <a:t>Here</a:t>
-            </a:r>
-            <a:r>
-              <a:rPr/>
-              <a:t> </a:t>
-            </a:r>
-            <a:r>
-              <a:rPr/>
-              <a:t>is</a:t>
-            </a:r>
-            <a:r>
-              <a:rPr/>
-              <a:t> </a:t>
-            </a:r>
-            <a:r>
-              <a:rPr i="1"/>
-              <a:t>some</a:t>
-            </a:r>
-            <a:r>
-              <a:rPr/>
-              <a:t> </a:t>
-            </a:r>
-            <a:r>
               <a:rPr b="1"/>
               <a:t>other</a:t>
             </a:r>
             <a:r>
               <a:rPr/>
-              <a:t> </a:t>
-            </a:r>
-            <a:r>
-              <a:rPr/>
-              <a:t>formatting.</a:t>
+              <a:t> formatting.</a:t>
             </a:r>
           </a:p>
         </p:txBody>
@@ -680,69 +640,21 @@
             </a:pPr>
             <a:r>
               <a:rPr/>
-              <a:t>The</a:t>
-            </a:r>
+              <a:t>The first note div</a:t>
+            </a:r>
+          </a:p>
+          <a:p>
+            <a:pPr lvl="0" marL="0" indent="0">
+              <a:buNone/>
+            </a:pPr>
+          </a:p>
+          <a:p>
+            <a:pPr lvl="0" marL="0" indent="0">
+              <a:buNone/>
+            </a:pPr>
             <a:r>
               <a:rPr/>
-              <a:t> </a:t>
-            </a:r>
-            <a:r>
-              <a:rPr/>
-              <a:t>first</a:t>
-            </a:r>
-            <a:r>
-              <a:rPr/>
-              <a:t> </a:t>
-            </a:r>
-            <a:r>
-              <a:rPr/>
-              <a:t>note</a:t>
-            </a:r>
-            <a:r>
-              <a:rPr/>
-              <a:t> </a:t>
-            </a:r>
-            <a:r>
-              <a:rPr/>
-              <a:t>div</a:t>
-            </a:r>
-          </a:p>
-          <a:p>
-            <a:pPr lvl="0" marL="0" indent="0">
-              <a:buNone/>
-            </a:pPr>
-          </a:p>
-          <a:p>
-            <a:pPr lvl="0" marL="0" indent="0">
-              <a:buNone/>
-            </a:pPr>
-            <a:r>
-              <a:rPr/>
-              <a:t>The</a:t>
-            </a:r>
-            <a:r>
-              <a:rPr/>
-              <a:t> </a:t>
-            </a:r>
-            <a:r>
-              <a:rPr/>
-              <a:t>second</a:t>
-            </a:r>
-            <a:r>
-              <a:rPr/>
-              <a:t> </a:t>
-            </a:r>
-            <a:r>
-              <a:rPr/>
-              <a:t>note</a:t>
-            </a:r>
-            <a:r>
-              <a:rPr/>
-              <a:t> </a:t>
-            </a:r>
-            <a:r>
-              <a:rPr/>
-              <a:t>div</a:t>
+              <a:t>The second note div</a:t>
             </a:r>
           </a:p>
         </p:txBody>
@@ -824,11 +736,7 @@
             </a:pPr>
             <a:r>
               <a:rPr/>
-              <a:t>No</a:t>
-            </a:r>
-            <a:r>
-              <a:rPr/>
-              <a:t> </a:t>
+              <a:t>No </a:t>
             </a:r>
             <a:r>
               <a:rPr/>
@@ -836,41 +744,21 @@
             </a:r>
             <a:r>
               <a:rPr/>
-              <a:t> </a:t>
-            </a:r>
+              <a:t> here.</a:t>
+            </a:r>
+          </a:p>
+          <a:p>
+            <a:pPr lvl="0" marL="0" indent="0">
+              <a:buNone/>
+            </a:pPr>
+          </a:p>
+          <a:p>
+            <a:pPr lvl="0" marL="0" indent="0">
+              <a:buNone/>
+            </a:pPr>
             <a:r>
               <a:rPr/>
-              <a:t>here.</a:t>
-            </a:r>
-          </a:p>
-          <a:p>
-            <a:pPr lvl="0" marL="0" indent="0">
-              <a:buNone/>
-            </a:pPr>
-          </a:p>
-          <a:p>
-            <a:pPr lvl="0" marL="0" indent="0">
-              <a:buNone/>
-            </a:pPr>
-            <a:r>
-              <a:rPr/>
-              <a:t>No</a:t>
-            </a:r>
-            <a:r>
-              <a:rPr/>
-              <a:t> </a:t>
-            </a:r>
-            <a:r>
-              <a:rPr/>
-              <a:t>note</a:t>
-            </a:r>
-            <a:r>
-              <a:rPr/>
-              <a:t> </a:t>
-            </a:r>
-            <a:r>
-              <a:rPr/>
-              <a:t>here.</a:t>
+              <a:t>No note here.</a:t>
             </a:r>
           </a:p>
         </p:txBody>

--- a/test/pptx/speaker-notes/output.pptx
+++ b/test/pptx/speaker-notes/output.pptx
@@ -528,77 +528,53 @@
             </a:pPr>
             <a:r>
               <a:rPr/>
-              <a:t>Here</a:t>
+              <a:t>Here </a:t>
+            </a:r>
+            <a:r>
+              <a:rPr/>
+              <a:t>is </a:t>
+            </a:r>
+            <a:r>
+              <a:rPr/>
+              <a:t>a </a:t>
+            </a:r>
+            <a:r>
+              <a:rPr/>
+              <a:t>note.</a:t>
+            </a:r>
+          </a:p>
+          <a:p>
+            <a:pPr lvl="0" marL="0" indent="0">
+              <a:buNone/>
+            </a:pPr>
+          </a:p>
+          <a:p>
+            <a:pPr lvl="0" marL="0" indent="0">
+              <a:buNone/>
+            </a:pPr>
+            <a:r>
+              <a:rPr/>
+              <a:t>Here </a:t>
+            </a:r>
+            <a:r>
+              <a:rPr/>
+              <a:t>is </a:t>
+            </a:r>
+            <a:r>
+              <a:rPr i="1"/>
+              <a:t>some</a:t>
             </a:r>
             <a:r>
               <a:rPr/>
               <a:t> </a:t>
             </a:r>
             <a:r>
-              <a:rPr/>
-              <a:t>is</a:t>
-            </a:r>
-            <a:r>
-              <a:rPr/>
-              <a:t> </a:t>
-            </a:r>
-            <a:r>
-              <a:rPr/>
-              <a:t>a</a:t>
-            </a:r>
-            <a:r>
-              <a:rPr/>
-              <a:t> </a:t>
-            </a:r>
-            <a:r>
-              <a:rPr/>
-              <a:t>note.</a:t>
-            </a:r>
-          </a:p>
-          <a:p>
-            <a:pPr lvl="0" marL="0" indent="0">
-              <a:buNone/>
-            </a:pPr>
-          </a:p>
-          <a:p>
-            <a:pPr lvl="0" marL="0" indent="0">
-              <a:buNone/>
-            </a:pPr>
-            <a:r>
-              <a:rPr/>
-              <a:t>Here</a:t>
-            </a:r>
-            <a:r>
-              <a:rPr/>
-              <a:t> </a:t>
-            </a:r>
-            <a:r>
-              <a:rPr/>
-              <a:t>is</a:t>
-            </a:r>
-            <a:r>
-              <a:rPr/>
-              <a:t> </a:t>
-            </a:r>
-            <a:r>
-              <a:rPr i="1"/>
-              <a:t>some</a:t>
-            </a:r>
-            <a:r>
-              <a:rPr/>
-              <a:t> </a:t>
-            </a:r>
-            <a:r>
               <a:rPr b="1"/>
               <a:t>other</a:t>
             </a:r>
             <a:r>
               <a:rPr/>
-              <a:t> </a:t>
-            </a:r>
-            <a:r>
-              <a:rPr/>
-              <a:t>formatting.</a:t>
+              <a:t> formatting.</a:t>
             </a:r>
           </a:p>
         </p:txBody>
@@ -680,27 +656,15 @@
             </a:pPr>
             <a:r>
               <a:rPr/>
-              <a:t>The</a:t>
+              <a:t>The </a:t>
             </a:r>
             <a:r>
               <a:rPr/>
-              <a:t> </a:t>
+              <a:t>first </a:t>
             </a:r>
             <a:r>
               <a:rPr/>
-              <a:t>first</a:t>
-            </a:r>
-            <a:r>
-              <a:rPr/>
-              <a:t> </a:t>
-            </a:r>
-            <a:r>
-              <a:rPr/>
-              <a:t>note</a:t>
-            </a:r>
-            <a:r>
-              <a:rPr/>
-              <a:t> </a:t>
+              <a:t>note </a:t>
             </a:r>
             <a:r>
               <a:rPr/>
@@ -718,27 +682,15 @@
             </a:pPr>
             <a:r>
               <a:rPr/>
-              <a:t>The</a:t>
+              <a:t>The </a:t>
             </a:r>
             <a:r>
               <a:rPr/>
-              <a:t> </a:t>
+              <a:t>second </a:t>
             </a:r>
             <a:r>
               <a:rPr/>
-              <a:t>second</a:t>
-            </a:r>
-            <a:r>
-              <a:rPr/>
-              <a:t> </a:t>
-            </a:r>
-            <a:r>
-              <a:rPr/>
-              <a:t>note</a:t>
-            </a:r>
-            <a:r>
-              <a:rPr/>
-              <a:t> </a:t>
+              <a:t>note </a:t>
             </a:r>
             <a:r>
               <a:rPr/>
@@ -824,11 +776,7 @@
             </a:pPr>
             <a:r>
               <a:rPr/>
-              <a:t>No</a:t>
-            </a:r>
-            <a:r>
-              <a:rPr/>
-              <a:t> </a:t>
+              <a:t>No </a:t>
             </a:r>
             <a:r>
               <a:rPr/>
@@ -836,37 +784,25 @@
             </a:r>
             <a:r>
               <a:rPr/>
-              <a:t> </a:t>
-            </a:r>
+              <a:t> here.</a:t>
+            </a:r>
+          </a:p>
+          <a:p>
+            <a:pPr lvl="0" marL="0" indent="0">
+              <a:buNone/>
+            </a:pPr>
+          </a:p>
+          <a:p>
+            <a:pPr lvl="0" marL="0" indent="0">
+              <a:buNone/>
+            </a:pPr>
             <a:r>
               <a:rPr/>
-              <a:t>here.</a:t>
-            </a:r>
-          </a:p>
-          <a:p>
-            <a:pPr lvl="0" marL="0" indent="0">
-              <a:buNone/>
-            </a:pPr>
-          </a:p>
-          <a:p>
-            <a:pPr lvl="0" marL="0" indent="0">
-              <a:buNone/>
-            </a:pPr>
+              <a:t>No </a:t>
+            </a:r>
             <a:r>
               <a:rPr/>
-              <a:t>No</a:t>
-            </a:r>
-            <a:r>
-              <a:rPr/>
-              <a:t> </a:t>
-            </a:r>
-            <a:r>
-              <a:rPr/>
-              <a:t>note</a:t>
-            </a:r>
-            <a:r>
-              <a:rPr/>
-              <a:t> </a:t>
+              <a:t>note </a:t>
             </a:r>
             <a:r>
               <a:rPr/>

--- a/test/pptx/speaker-notes/output.pptx
+++ b/test/pptx/speaker-notes/output.pptx
@@ -528,15 +528,27 @@
             </a:pPr>
             <a:r>
               <a:rPr/>
-              <a:t>Here </a:t>
+              <a:t>Here</a:t>
             </a:r>
             <a:r>
               <a:rPr/>
-              <a:t>is </a:t>
+              <a:t> </a:t>
             </a:r>
             <a:r>
               <a:rPr/>
-              <a:t>a </a:t>
+              <a:t>is</a:t>
+            </a:r>
+            <a:r>
+              <a:rPr/>
+              <a:t> </a:t>
+            </a:r>
+            <a:r>
+              <a:rPr/>
+              <a:t>a</a:t>
+            </a:r>
+            <a:r>
+              <a:rPr/>
+              <a:t> </a:t>
             </a:r>
             <a:r>
               <a:rPr/>
@@ -554,11 +566,19 @@
             </a:pPr>
             <a:r>
               <a:rPr/>
-              <a:t>Here </a:t>
+              <a:t>Here</a:t>
             </a:r>
             <a:r>
               <a:rPr/>
-              <a:t>is </a:t>
+              <a:t> </a:t>
+            </a:r>
+            <a:r>
+              <a:rPr/>
+              <a:t>is</a:t>
+            </a:r>
+            <a:r>
+              <a:rPr/>
+              <a:t> </a:t>
             </a:r>
             <a:r>
               <a:rPr i="1"/>
@@ -574,7 +594,11 @@
             </a:r>
             <a:r>
               <a:rPr/>
-              <a:t> formatting.</a:t>
+              <a:t> </a:t>
+            </a:r>
+            <a:r>
+              <a:rPr/>
+              <a:t>formatting.</a:t>
             </a:r>
           </a:p>
         </p:txBody>
@@ -656,15 +680,27 @@
             </a:pPr>
             <a:r>
               <a:rPr/>
-              <a:t>The </a:t>
+              <a:t>The</a:t>
             </a:r>
             <a:r>
               <a:rPr/>
-              <a:t>first </a:t>
+              <a:t> </a:t>
             </a:r>
             <a:r>
               <a:rPr/>
-              <a:t>note </a:t>
+              <a:t>first</a:t>
+            </a:r>
+            <a:r>
+              <a:rPr/>
+              <a:t> </a:t>
+            </a:r>
+            <a:r>
+              <a:rPr/>
+              <a:t>note</a:t>
+            </a:r>
+            <a:r>
+              <a:rPr/>
+              <a:t> </a:t>
             </a:r>
             <a:r>
               <a:rPr/>
@@ -682,15 +718,27 @@
             </a:pPr>
             <a:r>
               <a:rPr/>
-              <a:t>The </a:t>
+              <a:t>The</a:t>
             </a:r>
             <a:r>
               <a:rPr/>
-              <a:t>second </a:t>
+              <a:t> </a:t>
             </a:r>
             <a:r>
               <a:rPr/>
-              <a:t>note </a:t>
+              <a:t>second</a:t>
+            </a:r>
+            <a:r>
+              <a:rPr/>
+              <a:t> </a:t>
+            </a:r>
+            <a:r>
+              <a:rPr/>
+              <a:t>note</a:t>
+            </a:r>
+            <a:r>
+              <a:rPr/>
+              <a:t> </a:t>
             </a:r>
             <a:r>
               <a:rPr/>
@@ -776,7 +824,11 @@
             </a:pPr>
             <a:r>
               <a:rPr/>
-              <a:t>No </a:t>
+              <a:t>No</a:t>
+            </a:r>
+            <a:r>
+              <a:rPr/>
+              <a:t> </a:t>
             </a:r>
             <a:r>
               <a:rPr/>
@@ -784,7 +836,11 @@
             </a:r>
             <a:r>
               <a:rPr/>
-              <a:t> here.</a:t>
+              <a:t> </a:t>
+            </a:r>
+            <a:r>
+              <a:rPr/>
+              <a:t>here.</a:t>
             </a:r>
           </a:p>
           <a:p>
@@ -798,11 +854,19 @@
             </a:pPr>
             <a:r>
               <a:rPr/>
-              <a:t>No </a:t>
+              <a:t>No</a:t>
             </a:r>
             <a:r>
               <a:rPr/>
-              <a:t>note </a:t>
+              <a:t> </a:t>
+            </a:r>
+            <a:r>
+              <a:rPr/>
+              <a:t>note</a:t>
+            </a:r>
+            <a:r>
+              <a:rPr/>
+              <a:t> </a:t>
             </a:r>
             <a:r>
               <a:rPr/>

--- a/test/pptx/speaker-notes/output.pptx
+++ b/test/pptx/speaker-notes/output.pptx
@@ -528,77 +528,37 @@
             </a:pPr>
             <a:r>
               <a:rPr/>
-              <a:t>Here</a:t>
+              <a:t>Here is a note.</a:t>
+            </a:r>
+          </a:p>
+          <a:p>
+            <a:pPr lvl="0" marL="0" indent="0">
+              <a:buNone/>
+            </a:pPr>
+          </a:p>
+          <a:p>
+            <a:pPr lvl="0" marL="0" indent="0">
+              <a:buNone/>
+            </a:pPr>
+            <a:r>
+              <a:rPr/>
+              <a:t>Here is </a:t>
+            </a:r>
+            <a:r>
+              <a:rPr i="1"/>
+              <a:t>some</a:t>
             </a:r>
             <a:r>
               <a:rPr/>
               <a:t> </a:t>
             </a:r>
             <a:r>
-              <a:rPr/>
-              <a:t>is</a:t>
-            </a:r>
-            <a:r>
-              <a:rPr/>
-              <a:t> </a:t>
-            </a:r>
-            <a:r>
-              <a:rPr/>
-              <a:t>a</a:t>
-            </a:r>
-            <a:r>
-              <a:rPr/>
-              <a:t> </a:t>
-            </a:r>
-            <a:r>
-              <a:rPr/>
-              <a:t>note.</a:t>
-            </a:r>
-          </a:p>
-          <a:p>
-            <a:pPr lvl="0" marL="0" indent="0">
-              <a:buNone/>
-            </a:pPr>
-          </a:p>
-          <a:p>
-            <a:pPr lvl="0" marL="0" indent="0">
-              <a:buNone/>
-            </a:pPr>
-            <a:r>
-              <a:rPr/>
-              <a:t>Here</a:t>
-            </a:r>
-            <a:r>
-              <a:rPr/>
-              <a:t> </a:t>
-            </a:r>
-            <a:r>
-              <a:rPr/>
-              <a:t>is</a:t>
-            </a:r>
-            <a:r>
-              <a:rPr/>
-              <a:t> </a:t>
-            </a:r>
-            <a:r>
-              <a:rPr i="1"/>
-              <a:t>some</a:t>
-            </a:r>
-            <a:r>
-              <a:rPr/>
-              <a:t> </a:t>
-            </a:r>
-            <a:r>
               <a:rPr b="1"/>
               <a:t>other</a:t>
             </a:r>
             <a:r>
               <a:rPr/>
-              <a:t> </a:t>
-            </a:r>
-            <a:r>
-              <a:rPr/>
-              <a:t>formatting.</a:t>
+              <a:t> formatting.</a:t>
             </a:r>
           </a:p>
         </p:txBody>
@@ -680,69 +640,21 @@
             </a:pPr>
             <a:r>
               <a:rPr/>
-              <a:t>The</a:t>
-            </a:r>
+              <a:t>The first note div</a:t>
+            </a:r>
+          </a:p>
+          <a:p>
+            <a:pPr lvl="0" marL="0" indent="0">
+              <a:buNone/>
+            </a:pPr>
+          </a:p>
+          <a:p>
+            <a:pPr lvl="0" marL="0" indent="0">
+              <a:buNone/>
+            </a:pPr>
             <a:r>
               <a:rPr/>
-              <a:t> </a:t>
-            </a:r>
-            <a:r>
-              <a:rPr/>
-              <a:t>first</a:t>
-            </a:r>
-            <a:r>
-              <a:rPr/>
-              <a:t> </a:t>
-            </a:r>
-            <a:r>
-              <a:rPr/>
-              <a:t>note</a:t>
-            </a:r>
-            <a:r>
-              <a:rPr/>
-              <a:t> </a:t>
-            </a:r>
-            <a:r>
-              <a:rPr/>
-              <a:t>div</a:t>
-            </a:r>
-          </a:p>
-          <a:p>
-            <a:pPr lvl="0" marL="0" indent="0">
-              <a:buNone/>
-            </a:pPr>
-          </a:p>
-          <a:p>
-            <a:pPr lvl="0" marL="0" indent="0">
-              <a:buNone/>
-            </a:pPr>
-            <a:r>
-              <a:rPr/>
-              <a:t>The</a:t>
-            </a:r>
-            <a:r>
-              <a:rPr/>
-              <a:t> </a:t>
-            </a:r>
-            <a:r>
-              <a:rPr/>
-              <a:t>second</a:t>
-            </a:r>
-            <a:r>
-              <a:rPr/>
-              <a:t> </a:t>
-            </a:r>
-            <a:r>
-              <a:rPr/>
-              <a:t>note</a:t>
-            </a:r>
-            <a:r>
-              <a:rPr/>
-              <a:t> </a:t>
-            </a:r>
-            <a:r>
-              <a:rPr/>
-              <a:t>div</a:t>
+              <a:t>The second note div</a:t>
             </a:r>
           </a:p>
         </p:txBody>
@@ -824,53 +736,21 @@
             </a:pPr>
             <a:r>
               <a:rPr/>
-              <a:t>No</a:t>
-            </a:r>
+              <a:t>No link here.</a:t>
+            </a:r>
+          </a:p>
+          <a:p>
+            <a:pPr lvl="0" marL="0" indent="0">
+              <a:buNone/>
+            </a:pPr>
+          </a:p>
+          <a:p>
+            <a:pPr lvl="0" marL="0" indent="0">
+              <a:buNone/>
+            </a:pPr>
             <a:r>
               <a:rPr/>
-              <a:t> </a:t>
-            </a:r>
-            <a:r>
-              <a:rPr/>
-              <a:t>link</a:t>
-            </a:r>
-            <a:r>
-              <a:rPr/>
-              <a:t> </a:t>
-            </a:r>
-            <a:r>
-              <a:rPr/>
-              <a:t>here.</a:t>
-            </a:r>
-          </a:p>
-          <a:p>
-            <a:pPr lvl="0" marL="0" indent="0">
-              <a:buNone/>
-            </a:pPr>
-          </a:p>
-          <a:p>
-            <a:pPr lvl="0" marL="0" indent="0">
-              <a:buNone/>
-            </a:pPr>
-            <a:r>
-              <a:rPr/>
-              <a:t>No</a:t>
-            </a:r>
-            <a:r>
-              <a:rPr/>
-              <a:t> </a:t>
-            </a:r>
-            <a:r>
-              <a:rPr/>
-              <a:t>note</a:t>
-            </a:r>
-            <a:r>
-              <a:rPr/>
-              <a:t> </a:t>
-            </a:r>
-            <a:r>
-              <a:rPr/>
-              <a:t>here.</a:t>
+              <a:t>No note here.</a:t>
             </a:r>
           </a:p>
         </p:txBody>

--- a/test/pptx/speaker-notes/output.pptx
+++ b/test/pptx/speaker-notes/output.pptx
@@ -13,7 +13,7 @@
     <p:sldId id="258" r:id="rId4"/>
     <p:sldId id="259" r:id="rId5"/>
   </p:sldIdLst>
-  <p:sldSz cx="9144000" cy="6858000" type="screen4x3"/>
+  <p:sldSz cx="9144000" cy="5143500" type="screen16x9"/>
   <p:notesSz cx="6858000" cy="9144000"/>
   <p:defaultTextStyle>
     <a:defPPr>
@@ -113,12 +113,12 @@
   <p:extLst>
     <p:ext uri="{EFAFB233-063F-42B5-8137-9DF3F51BA10A}">
       <p15:sldGuideLst xmlns:p15="http://schemas.microsoft.com/office/powerpoint/2012/main">
-        <p15:guide id="1" orient="horz" pos="2160">
+        <p15:guide id="1" orient="horz" pos="1620" userDrawn="1">
           <p15:clr>
             <a:srgbClr val="A4A3A4"/>
           </p15:clr>
         </p15:guide>
-        <p15:guide id="2" pos="2880">
+        <p15:guide id="2" pos="2880" userDrawn="1">
           <p15:clr>
             <a:srgbClr val="A4A3A4"/>
           </p15:clr>
@@ -211,7 +211,7 @@
           <a:p>
             <a:fld id="{0F9C1CCF-B725-44A7-AA57-5E433BD85C9F}" type="datetimeFigureOut">
               <a:rPr lang="en-US" smtClean="0"/>
-              <a:t>4/5/2019</a:t>
+              <a:t>1/2/22</a:t>
             </a:fld>
             <a:endParaRPr lang="en-US"/>
           </a:p>
@@ -229,8 +229,8 @@
         </p:nvSpPr>
         <p:spPr>
           <a:xfrm>
-            <a:off x="1371600" y="1143000"/>
-            <a:ext cx="4114800" cy="3086100"/>
+            <a:off x="685800" y="1143000"/>
+            <a:ext cx="5486400" cy="3086100"/>
           </a:xfrm>
           <a:prstGeom prst="rect">
             <a:avLst/>
@@ -275,38 +275,37 @@
           <a:p>
             <a:pPr lvl="0"/>
             <a:r>
-              <a:rPr lang="en-US" smtClean="0"/>
+              <a:rPr lang="en-US"/>
               <a:t>Click to edit Master text styles</a:t>
             </a:r>
           </a:p>
           <a:p>
             <a:pPr lvl="1"/>
             <a:r>
-              <a:rPr lang="en-US" smtClean="0"/>
+              <a:rPr lang="en-US"/>
               <a:t>Second level</a:t>
             </a:r>
           </a:p>
           <a:p>
             <a:pPr lvl="2"/>
             <a:r>
-              <a:rPr lang="en-US" smtClean="0"/>
+              <a:rPr lang="en-US"/>
               <a:t>Third level</a:t>
             </a:r>
           </a:p>
           <a:p>
             <a:pPr lvl="3"/>
             <a:r>
-              <a:rPr lang="en-US" smtClean="0"/>
+              <a:rPr lang="en-US"/>
               <a:t>Fourth level</a:t>
             </a:r>
           </a:p>
           <a:p>
             <a:pPr lvl="4"/>
             <a:r>
-              <a:rPr lang="en-US" smtClean="0"/>
+              <a:rPr lang="en-US"/>
               <a:t>Fifth level</a:t>
             </a:r>
-            <a:endParaRPr lang="en-US"/>
           </a:p>
         </p:txBody>
       </p:sp>
@@ -812,8 +811,8 @@
         </p:nvSpPr>
         <p:spPr>
           <a:xfrm>
-            <a:off x="685800" y="2130425"/>
-            <a:ext cx="7772400" cy="1470025"/>
+            <a:off x="685800" y="1597819"/>
+            <a:ext cx="7772400" cy="1102519"/>
           </a:xfrm>
         </p:spPr>
         <p:txBody>
@@ -821,10 +820,9 @@
           <a:lstStyle/>
           <a:p>
             <a:r>
-              <a:rPr lang="en-US" smtClean="0"/>
+              <a:rPr lang="en-US"/>
               <a:t>Click to edit Master title style</a:t>
             </a:r>
-            <a:endParaRPr lang="en-US"/>
           </a:p>
         </p:txBody>
       </p:sp>
@@ -840,8 +838,8 @@
         </p:nvSpPr>
         <p:spPr>
           <a:xfrm>
-            <a:off x="1371600" y="3886200"/>
-            <a:ext cx="6400800" cy="1752600"/>
+            <a:off x="1371600" y="2914650"/>
+            <a:ext cx="6400800" cy="1314450"/>
           </a:xfrm>
         </p:spPr>
         <p:txBody>
@@ -857,7 +855,7 @@
                 </a:solidFill>
               </a:defRPr>
             </a:lvl1pPr>
-            <a:lvl2pPr marL="457200" indent="0" algn="ctr">
+            <a:lvl2pPr marL="342900" indent="0" algn="ctr">
               <a:buNone/>
               <a:defRPr>
                 <a:solidFill>
@@ -867,7 +865,7 @@
                 </a:solidFill>
               </a:defRPr>
             </a:lvl2pPr>
-            <a:lvl3pPr marL="914400" indent="0" algn="ctr">
+            <a:lvl3pPr marL="685800" indent="0" algn="ctr">
               <a:buNone/>
               <a:defRPr>
                 <a:solidFill>
@@ -877,7 +875,7 @@
                 </a:solidFill>
               </a:defRPr>
             </a:lvl3pPr>
-            <a:lvl4pPr marL="1371600" indent="0" algn="ctr">
+            <a:lvl4pPr marL="1028700" indent="0" algn="ctr">
               <a:buNone/>
               <a:defRPr>
                 <a:solidFill>
@@ -887,7 +885,7 @@
                 </a:solidFill>
               </a:defRPr>
             </a:lvl4pPr>
-            <a:lvl5pPr marL="1828800" indent="0" algn="ctr">
+            <a:lvl5pPr marL="1371600" indent="0" algn="ctr">
               <a:buNone/>
               <a:defRPr>
                 <a:solidFill>
@@ -897,7 +895,7 @@
                 </a:solidFill>
               </a:defRPr>
             </a:lvl5pPr>
-            <a:lvl6pPr marL="2286000" indent="0" algn="ctr">
+            <a:lvl6pPr marL="1714500" indent="0" algn="ctr">
               <a:buNone/>
               <a:defRPr>
                 <a:solidFill>
@@ -907,7 +905,7 @@
                 </a:solidFill>
               </a:defRPr>
             </a:lvl6pPr>
-            <a:lvl7pPr marL="2743200" indent="0" algn="ctr">
+            <a:lvl7pPr marL="2057400" indent="0" algn="ctr">
               <a:buNone/>
               <a:defRPr>
                 <a:solidFill>
@@ -917,7 +915,7 @@
                 </a:solidFill>
               </a:defRPr>
             </a:lvl7pPr>
-            <a:lvl8pPr marL="3200400" indent="0" algn="ctr">
+            <a:lvl8pPr marL="2400300" indent="0" algn="ctr">
               <a:buNone/>
               <a:defRPr>
                 <a:solidFill>
@@ -927,7 +925,7 @@
                 </a:solidFill>
               </a:defRPr>
             </a:lvl8pPr>
-            <a:lvl9pPr marL="3657600" indent="0" algn="ctr">
+            <a:lvl9pPr marL="2743200" indent="0" algn="ctr">
               <a:buNone/>
               <a:defRPr>
                 <a:solidFill>
@@ -940,10 +938,9 @@
           </a:lstStyle>
           <a:p>
             <a:r>
-              <a:rPr lang="en-US" smtClean="0"/>
+              <a:rPr lang="en-US"/>
               <a:t>Click to edit Master subtitle style</a:t>
             </a:r>
-            <a:endParaRPr lang="en-US"/>
           </a:p>
         </p:txBody>
       </p:sp>
@@ -964,7 +961,7 @@
           <a:p>
             <a:fld id="{241EB5C9-1307-BA42-ABA2-0BC069CD8E7F}" type="datetimeFigureOut">
               <a:rPr lang="en-US" smtClean="0"/>
-              <a:t>4/5/2019</a:t>
+              <a:t>1/2/22</a:t>
             </a:fld>
             <a:endParaRPr lang="en-US"/>
           </a:p>
@@ -1058,10 +1055,9 @@
           <a:lstStyle/>
           <a:p>
             <a:r>
-              <a:rPr lang="en-US" smtClean="0"/>
+              <a:rPr lang="en-US"/>
               <a:t>Click to edit Master title style</a:t>
             </a:r>
-            <a:endParaRPr lang="en-US"/>
           </a:p>
         </p:txBody>
       </p:sp>
@@ -1082,38 +1078,37 @@
           <a:p>
             <a:pPr lvl="0"/>
             <a:r>
-              <a:rPr lang="en-US" smtClean="0"/>
+              <a:rPr lang="en-US"/>
               <a:t>Click to edit Master text styles</a:t>
             </a:r>
           </a:p>
           <a:p>
             <a:pPr lvl="1"/>
             <a:r>
-              <a:rPr lang="en-US" smtClean="0"/>
+              <a:rPr lang="en-US"/>
               <a:t>Second level</a:t>
             </a:r>
           </a:p>
           <a:p>
             <a:pPr lvl="2"/>
             <a:r>
-              <a:rPr lang="en-US" smtClean="0"/>
+              <a:rPr lang="en-US"/>
               <a:t>Third level</a:t>
             </a:r>
           </a:p>
           <a:p>
             <a:pPr lvl="3"/>
             <a:r>
-              <a:rPr lang="en-US" smtClean="0"/>
+              <a:rPr lang="en-US"/>
               <a:t>Fourth level</a:t>
             </a:r>
           </a:p>
           <a:p>
             <a:pPr lvl="4"/>
             <a:r>
-              <a:rPr lang="en-US" smtClean="0"/>
+              <a:rPr lang="en-US"/>
               <a:t>Fifth level</a:t>
             </a:r>
-            <a:endParaRPr lang="en-US"/>
           </a:p>
         </p:txBody>
       </p:sp>
@@ -1134,7 +1129,7 @@
           <a:p>
             <a:fld id="{241EB5C9-1307-BA42-ABA2-0BC069CD8E7F}" type="datetimeFigureOut">
               <a:rPr lang="en-US" smtClean="0"/>
-              <a:t>4/5/2019</a:t>
+              <a:t>1/2/22</a:t>
             </a:fld>
             <a:endParaRPr lang="en-US"/>
           </a:p>
@@ -1224,8 +1219,8 @@
         </p:nvSpPr>
         <p:spPr>
           <a:xfrm>
-            <a:off x="6629400" y="274638"/>
-            <a:ext cx="2057400" cy="5851525"/>
+            <a:off x="6629400" y="205979"/>
+            <a:ext cx="2057400" cy="4388644"/>
           </a:xfrm>
         </p:spPr>
         <p:txBody>
@@ -1233,10 +1228,9 @@
           <a:lstStyle/>
           <a:p>
             <a:r>
-              <a:rPr lang="en-US" smtClean="0"/>
+              <a:rPr lang="en-US"/>
               <a:t>Click to edit Master title style</a:t>
             </a:r>
-            <a:endParaRPr lang="en-US"/>
           </a:p>
         </p:txBody>
       </p:sp>
@@ -1252,8 +1246,8 @@
         </p:nvSpPr>
         <p:spPr>
           <a:xfrm>
-            <a:off x="457200" y="274638"/>
-            <a:ext cx="6019800" cy="5851525"/>
+            <a:off x="457200" y="205979"/>
+            <a:ext cx="6019800" cy="4388644"/>
           </a:xfrm>
         </p:spPr>
         <p:txBody>
@@ -1262,38 +1256,37 @@
           <a:p>
             <a:pPr lvl="0"/>
             <a:r>
-              <a:rPr lang="en-US" smtClean="0"/>
+              <a:rPr lang="en-US"/>
               <a:t>Click to edit Master text styles</a:t>
             </a:r>
           </a:p>
           <a:p>
             <a:pPr lvl="1"/>
             <a:r>
-              <a:rPr lang="en-US" smtClean="0"/>
+              <a:rPr lang="en-US"/>
               <a:t>Second level</a:t>
             </a:r>
           </a:p>
           <a:p>
             <a:pPr lvl="2"/>
             <a:r>
-              <a:rPr lang="en-US" smtClean="0"/>
+              <a:rPr lang="en-US"/>
               <a:t>Third level</a:t>
             </a:r>
           </a:p>
           <a:p>
             <a:pPr lvl="3"/>
             <a:r>
-              <a:rPr lang="en-US" smtClean="0"/>
+              <a:rPr lang="en-US"/>
               <a:t>Fourth level</a:t>
             </a:r>
           </a:p>
           <a:p>
             <a:pPr lvl="4"/>
             <a:r>
-              <a:rPr lang="en-US" smtClean="0"/>
+              <a:rPr lang="en-US"/>
               <a:t>Fifth level</a:t>
             </a:r>
-            <a:endParaRPr lang="en-US"/>
           </a:p>
         </p:txBody>
       </p:sp>
@@ -1314,7 +1307,7 @@
           <a:p>
             <a:fld id="{241EB5C9-1307-BA42-ABA2-0BC069CD8E7F}" type="datetimeFigureOut">
               <a:rPr lang="en-US" smtClean="0"/>
-              <a:t>4/5/2019</a:t>
+              <a:t>1/2/22</a:t>
             </a:fld>
             <a:endParaRPr lang="en-US"/>
           </a:p>
@@ -1408,10 +1401,9 @@
           <a:lstStyle/>
           <a:p>
             <a:r>
-              <a:rPr lang="en-US" smtClean="0"/>
+              <a:rPr lang="en-US"/>
               <a:t>Click to edit Master title style</a:t>
             </a:r>
-            <a:endParaRPr lang="en-US"/>
           </a:p>
         </p:txBody>
       </p:sp>
@@ -1432,38 +1424,37 @@
           <a:p>
             <a:pPr lvl="0"/>
             <a:r>
-              <a:rPr lang="en-US" smtClean="0"/>
+              <a:rPr lang="en-US"/>
               <a:t>Click to edit Master text styles</a:t>
             </a:r>
           </a:p>
           <a:p>
             <a:pPr lvl="1"/>
             <a:r>
-              <a:rPr lang="en-US" smtClean="0"/>
+              <a:rPr lang="en-US"/>
               <a:t>Second level</a:t>
             </a:r>
           </a:p>
           <a:p>
             <a:pPr lvl="2"/>
             <a:r>
-              <a:rPr lang="en-US" smtClean="0"/>
+              <a:rPr lang="en-US"/>
               <a:t>Third level</a:t>
             </a:r>
           </a:p>
           <a:p>
             <a:pPr lvl="3"/>
             <a:r>
-              <a:rPr lang="en-US" smtClean="0"/>
+              <a:rPr lang="en-US"/>
               <a:t>Fourth level</a:t>
             </a:r>
           </a:p>
           <a:p>
             <a:pPr lvl="4"/>
             <a:r>
-              <a:rPr lang="en-US" smtClean="0"/>
+              <a:rPr lang="en-US"/>
               <a:t>Fifth level</a:t>
             </a:r>
-            <a:endParaRPr lang="en-US"/>
           </a:p>
         </p:txBody>
       </p:sp>
@@ -1484,7 +1475,7 @@
           <a:p>
             <a:fld id="{241EB5C9-1307-BA42-ABA2-0BC069CD8E7F}" type="datetimeFigureOut">
               <a:rPr lang="en-US" smtClean="0"/>
-              <a:t>4/5/2019</a:t>
+              <a:t>1/2/22</a:t>
             </a:fld>
             <a:endParaRPr lang="en-US"/>
           </a:p>
@@ -1574,23 +1565,22 @@
         </p:nvSpPr>
         <p:spPr>
           <a:xfrm>
-            <a:off x="722313" y="4406900"/>
-            <a:ext cx="7772400" cy="1362075"/>
+            <a:off x="722313" y="3305176"/>
+            <a:ext cx="7772400" cy="1021556"/>
           </a:xfrm>
         </p:spPr>
         <p:txBody>
           <a:bodyPr anchor="t"/>
           <a:lstStyle>
             <a:lvl1pPr algn="l">
-              <a:defRPr sz="4000" b="1" cap="all"/>
+              <a:defRPr sz="3000" b="1" cap="all"/>
             </a:lvl1pPr>
           </a:lstStyle>
           <a:p>
             <a:r>
-              <a:rPr lang="en-US" smtClean="0"/>
+              <a:rPr lang="en-US"/>
               <a:t>Click to edit Master title style</a:t>
             </a:r>
-            <a:endParaRPr lang="en-US"/>
           </a:p>
         </p:txBody>
       </p:sp>
@@ -1606,8 +1596,8 @@
         </p:nvSpPr>
         <p:spPr>
           <a:xfrm>
-            <a:off x="722313" y="2906713"/>
-            <a:ext cx="7772400" cy="1500187"/>
+            <a:off x="722313" y="2180035"/>
+            <a:ext cx="7772400" cy="1125140"/>
           </a:xfrm>
         </p:spPr>
         <p:txBody>
@@ -1615,7 +1605,7 @@
           <a:lstStyle>
             <a:lvl1pPr marL="0" indent="0">
               <a:buNone/>
-              <a:defRPr sz="2000">
+              <a:defRPr sz="1500">
                 <a:solidFill>
                   <a:schemeClr val="tx1">
                     <a:tint val="75000"/>
@@ -1623,9 +1613,9 @@
                 </a:solidFill>
               </a:defRPr>
             </a:lvl1pPr>
-            <a:lvl2pPr marL="457200" indent="0">
-              <a:buNone/>
-              <a:defRPr sz="1800">
+            <a:lvl2pPr marL="342900" indent="0">
+              <a:buNone/>
+              <a:defRPr sz="1350">
                 <a:solidFill>
                   <a:schemeClr val="tx1">
                     <a:tint val="75000"/>
@@ -1633,9 +1623,9 @@
                 </a:solidFill>
               </a:defRPr>
             </a:lvl2pPr>
-            <a:lvl3pPr marL="914400" indent="0">
-              <a:buNone/>
-              <a:defRPr sz="1600">
+            <a:lvl3pPr marL="685800" indent="0">
+              <a:buNone/>
+              <a:defRPr sz="1200">
                 <a:solidFill>
                   <a:schemeClr val="tx1">
                     <a:tint val="75000"/>
@@ -1643,9 +1633,9 @@
                 </a:solidFill>
               </a:defRPr>
             </a:lvl3pPr>
-            <a:lvl4pPr marL="1371600" indent="0">
-              <a:buNone/>
-              <a:defRPr sz="1400">
+            <a:lvl4pPr marL="1028700" indent="0">
+              <a:buNone/>
+              <a:defRPr sz="1050">
                 <a:solidFill>
                   <a:schemeClr val="tx1">
                     <a:tint val="75000"/>
@@ -1653,9 +1643,9 @@
                 </a:solidFill>
               </a:defRPr>
             </a:lvl4pPr>
-            <a:lvl5pPr marL="1828800" indent="0">
-              <a:buNone/>
-              <a:defRPr sz="1400">
+            <a:lvl5pPr marL="1371600" indent="0">
+              <a:buNone/>
+              <a:defRPr sz="1050">
                 <a:solidFill>
                   <a:schemeClr val="tx1">
                     <a:tint val="75000"/>
@@ -1663,9 +1653,9 @@
                 </a:solidFill>
               </a:defRPr>
             </a:lvl5pPr>
-            <a:lvl6pPr marL="2286000" indent="0">
-              <a:buNone/>
-              <a:defRPr sz="1400">
+            <a:lvl6pPr marL="1714500" indent="0">
+              <a:buNone/>
+              <a:defRPr sz="1050">
                 <a:solidFill>
                   <a:schemeClr val="tx1">
                     <a:tint val="75000"/>
@@ -1673,9 +1663,9 @@
                 </a:solidFill>
               </a:defRPr>
             </a:lvl6pPr>
-            <a:lvl7pPr marL="2743200" indent="0">
-              <a:buNone/>
-              <a:defRPr sz="1400">
+            <a:lvl7pPr marL="2057400" indent="0">
+              <a:buNone/>
+              <a:defRPr sz="1050">
                 <a:solidFill>
                   <a:schemeClr val="tx1">
                     <a:tint val="75000"/>
@@ -1683,9 +1673,9 @@
                 </a:solidFill>
               </a:defRPr>
             </a:lvl7pPr>
-            <a:lvl8pPr marL="3200400" indent="0">
-              <a:buNone/>
-              <a:defRPr sz="1400">
+            <a:lvl8pPr marL="2400300" indent="0">
+              <a:buNone/>
+              <a:defRPr sz="1050">
                 <a:solidFill>
                   <a:schemeClr val="tx1">
                     <a:tint val="75000"/>
@@ -1693,9 +1683,9 @@
                 </a:solidFill>
               </a:defRPr>
             </a:lvl8pPr>
-            <a:lvl9pPr marL="3657600" indent="0">
-              <a:buNone/>
-              <a:defRPr sz="1400">
+            <a:lvl9pPr marL="2743200" indent="0">
+              <a:buNone/>
+              <a:defRPr sz="1050">
                 <a:solidFill>
                   <a:schemeClr val="tx1">
                     <a:tint val="75000"/>
@@ -1707,7 +1697,7 @@
           <a:p>
             <a:pPr lvl="0"/>
             <a:r>
-              <a:rPr lang="en-US" smtClean="0"/>
+              <a:rPr lang="en-US"/>
               <a:t>Click to edit Master text styles</a:t>
             </a:r>
           </a:p>
@@ -1730,7 +1720,7 @@
           <a:p>
             <a:fld id="{241EB5C9-1307-BA42-ABA2-0BC069CD8E7F}" type="datetimeFigureOut">
               <a:rPr lang="en-US" smtClean="0"/>
-              <a:t>4/5/2019</a:t>
+              <a:t>1/2/22</a:t>
             </a:fld>
             <a:endParaRPr lang="en-US"/>
           </a:p>
@@ -1824,10 +1814,9 @@
           <a:lstStyle/>
           <a:p>
             <a:r>
-              <a:rPr lang="en-US" smtClean="0"/>
+              <a:rPr lang="en-US"/>
               <a:t>Click to edit Master title style</a:t>
             </a:r>
-            <a:endParaRPr lang="en-US"/>
           </a:p>
         </p:txBody>
       </p:sp>
@@ -1843,76 +1832,75 @@
         </p:nvSpPr>
         <p:spPr>
           <a:xfrm>
-            <a:off x="457200" y="1600200"/>
-            <a:ext cx="4038600" cy="4525963"/>
+            <a:off x="457200" y="1200151"/>
+            <a:ext cx="4038600" cy="3394472"/>
           </a:xfrm>
         </p:spPr>
         <p:txBody>
           <a:bodyPr/>
           <a:lstStyle>
             <a:lvl1pPr>
-              <a:defRPr sz="2800"/>
+              <a:defRPr sz="2100"/>
             </a:lvl1pPr>
             <a:lvl2pPr>
-              <a:defRPr sz="2400"/>
+              <a:defRPr sz="1800"/>
             </a:lvl2pPr>
             <a:lvl3pPr>
-              <a:defRPr sz="2000"/>
+              <a:defRPr sz="1500"/>
             </a:lvl3pPr>
             <a:lvl4pPr>
-              <a:defRPr sz="1800"/>
+              <a:defRPr sz="1350"/>
             </a:lvl4pPr>
             <a:lvl5pPr>
-              <a:defRPr sz="1800"/>
+              <a:defRPr sz="1350"/>
             </a:lvl5pPr>
             <a:lvl6pPr>
-              <a:defRPr sz="1800"/>
+              <a:defRPr sz="1350"/>
             </a:lvl6pPr>
             <a:lvl7pPr>
-              <a:defRPr sz="1800"/>
+              <a:defRPr sz="1350"/>
             </a:lvl7pPr>
             <a:lvl8pPr>
-              <a:defRPr sz="1800"/>
+              <a:defRPr sz="1350"/>
             </a:lvl8pPr>
             <a:lvl9pPr>
-              <a:defRPr sz="1800"/>
+              <a:defRPr sz="1350"/>
             </a:lvl9pPr>
           </a:lstStyle>
           <a:p>
             <a:pPr lvl="0"/>
             <a:r>
-              <a:rPr lang="en-US" smtClean="0"/>
+              <a:rPr lang="en-US"/>
               <a:t>Click to edit Master text styles</a:t>
             </a:r>
           </a:p>
           <a:p>
             <a:pPr lvl="1"/>
             <a:r>
-              <a:rPr lang="en-US" smtClean="0"/>
+              <a:rPr lang="en-US"/>
               <a:t>Second level</a:t>
             </a:r>
           </a:p>
           <a:p>
             <a:pPr lvl="2"/>
             <a:r>
-              <a:rPr lang="en-US" smtClean="0"/>
+              <a:rPr lang="en-US"/>
               <a:t>Third level</a:t>
             </a:r>
           </a:p>
           <a:p>
             <a:pPr lvl="3"/>
             <a:r>
-              <a:rPr lang="en-US" smtClean="0"/>
+              <a:rPr lang="en-US"/>
               <a:t>Fourth level</a:t>
             </a:r>
           </a:p>
           <a:p>
             <a:pPr lvl="4"/>
             <a:r>
-              <a:rPr lang="en-US" smtClean="0"/>
+              <a:rPr lang="en-US"/>
               <a:t>Fifth level</a:t>
             </a:r>
-            <a:endParaRPr lang="en-US"/>
           </a:p>
         </p:txBody>
       </p:sp>
@@ -1928,76 +1916,75 @@
         </p:nvSpPr>
         <p:spPr>
           <a:xfrm>
-            <a:off x="4648200" y="1600200"/>
-            <a:ext cx="4038600" cy="4525963"/>
+            <a:off x="4648200" y="1200151"/>
+            <a:ext cx="4038600" cy="3394472"/>
           </a:xfrm>
         </p:spPr>
         <p:txBody>
           <a:bodyPr/>
           <a:lstStyle>
             <a:lvl1pPr>
-              <a:defRPr sz="2800"/>
+              <a:defRPr sz="2100"/>
             </a:lvl1pPr>
             <a:lvl2pPr>
-              <a:defRPr sz="2400"/>
+              <a:defRPr sz="1800"/>
             </a:lvl2pPr>
             <a:lvl3pPr>
-              <a:defRPr sz="2000"/>
+              <a:defRPr sz="1500"/>
             </a:lvl3pPr>
             <a:lvl4pPr>
-              <a:defRPr sz="1800"/>
+              <a:defRPr sz="1350"/>
             </a:lvl4pPr>
             <a:lvl5pPr>
-              <a:defRPr sz="1800"/>
+              <a:defRPr sz="1350"/>
             </a:lvl5pPr>
             <a:lvl6pPr>
-              <a:defRPr sz="1800"/>
+              <a:defRPr sz="1350"/>
             </a:lvl6pPr>
             <a:lvl7pPr>
-              <a:defRPr sz="1800"/>
+              <a:defRPr sz="1350"/>
             </a:lvl7pPr>
             <a:lvl8pPr>
-              <a:defRPr sz="1800"/>
+              <a:defRPr sz="1350"/>
             </a:lvl8pPr>
             <a:lvl9pPr>
-              <a:defRPr sz="1800"/>
+              <a:defRPr sz="1350"/>
             </a:lvl9pPr>
           </a:lstStyle>
           <a:p>
             <a:pPr lvl="0"/>
             <a:r>
-              <a:rPr lang="en-US" smtClean="0"/>
+              <a:rPr lang="en-US"/>
               <a:t>Click to edit Master text styles</a:t>
             </a:r>
           </a:p>
           <a:p>
             <a:pPr lvl="1"/>
             <a:r>
-              <a:rPr lang="en-US" smtClean="0"/>
+              <a:rPr lang="en-US"/>
               <a:t>Second level</a:t>
             </a:r>
           </a:p>
           <a:p>
             <a:pPr lvl="2"/>
             <a:r>
-              <a:rPr lang="en-US" smtClean="0"/>
+              <a:rPr lang="en-US"/>
               <a:t>Third level</a:t>
             </a:r>
           </a:p>
           <a:p>
             <a:pPr lvl="3"/>
             <a:r>
-              <a:rPr lang="en-US" smtClean="0"/>
+              <a:rPr lang="en-US"/>
               <a:t>Fourth level</a:t>
             </a:r>
           </a:p>
           <a:p>
             <a:pPr lvl="4"/>
             <a:r>
-              <a:rPr lang="en-US" smtClean="0"/>
+              <a:rPr lang="en-US"/>
               <a:t>Fifth level</a:t>
             </a:r>
-            <a:endParaRPr lang="en-US"/>
           </a:p>
         </p:txBody>
       </p:sp>
@@ -2018,7 +2005,7 @@
           <a:p>
             <a:fld id="{241EB5C9-1307-BA42-ABA2-0BC069CD8E7F}" type="datetimeFigureOut">
               <a:rPr lang="en-US" smtClean="0"/>
-              <a:t>4/5/2019</a:t>
+              <a:t>1/2/22</a:t>
             </a:fld>
             <a:endParaRPr lang="en-US"/>
           </a:p>
@@ -2116,10 +2103,9 @@
           </a:lstStyle>
           <a:p>
             <a:r>
-              <a:rPr lang="en-US" smtClean="0"/>
+              <a:rPr lang="en-US"/>
               <a:t>Click to edit Master title style</a:t>
             </a:r>
-            <a:endParaRPr lang="en-US"/>
           </a:p>
         </p:txBody>
       </p:sp>
@@ -2135,8 +2121,8 @@
         </p:nvSpPr>
         <p:spPr>
           <a:xfrm>
-            <a:off x="457200" y="1535113"/>
-            <a:ext cx="4040188" cy="639762"/>
+            <a:off x="457200" y="1151335"/>
+            <a:ext cx="4040188" cy="479822"/>
           </a:xfrm>
         </p:spPr>
         <p:txBody>
@@ -2144,45 +2130,45 @@
           <a:lstStyle>
             <a:lvl1pPr marL="0" indent="0">
               <a:buNone/>
-              <a:defRPr sz="2400" b="1"/>
+              <a:defRPr sz="1800" b="1"/>
             </a:lvl1pPr>
-            <a:lvl2pPr marL="457200" indent="0">
-              <a:buNone/>
-              <a:defRPr sz="2000" b="1"/>
+            <a:lvl2pPr marL="342900" indent="0">
+              <a:buNone/>
+              <a:defRPr sz="1500" b="1"/>
             </a:lvl2pPr>
-            <a:lvl3pPr marL="914400" indent="0">
-              <a:buNone/>
-              <a:defRPr sz="1800" b="1"/>
+            <a:lvl3pPr marL="685800" indent="0">
+              <a:buNone/>
+              <a:defRPr sz="1350" b="1"/>
             </a:lvl3pPr>
-            <a:lvl4pPr marL="1371600" indent="0">
-              <a:buNone/>
-              <a:defRPr sz="1600" b="1"/>
+            <a:lvl4pPr marL="1028700" indent="0">
+              <a:buNone/>
+              <a:defRPr sz="1200" b="1"/>
             </a:lvl4pPr>
-            <a:lvl5pPr marL="1828800" indent="0">
-              <a:buNone/>
-              <a:defRPr sz="1600" b="1"/>
+            <a:lvl5pPr marL="1371600" indent="0">
+              <a:buNone/>
+              <a:defRPr sz="1200" b="1"/>
             </a:lvl5pPr>
-            <a:lvl6pPr marL="2286000" indent="0">
-              <a:buNone/>
-              <a:defRPr sz="1600" b="1"/>
+            <a:lvl6pPr marL="1714500" indent="0">
+              <a:buNone/>
+              <a:defRPr sz="1200" b="1"/>
             </a:lvl6pPr>
-            <a:lvl7pPr marL="2743200" indent="0">
-              <a:buNone/>
-              <a:defRPr sz="1600" b="1"/>
+            <a:lvl7pPr marL="2057400" indent="0">
+              <a:buNone/>
+              <a:defRPr sz="1200" b="1"/>
             </a:lvl7pPr>
-            <a:lvl8pPr marL="3200400" indent="0">
-              <a:buNone/>
-              <a:defRPr sz="1600" b="1"/>
+            <a:lvl8pPr marL="2400300" indent="0">
+              <a:buNone/>
+              <a:defRPr sz="1200" b="1"/>
             </a:lvl8pPr>
-            <a:lvl9pPr marL="3657600" indent="0">
-              <a:buNone/>
-              <a:defRPr sz="1600" b="1"/>
+            <a:lvl9pPr marL="2743200" indent="0">
+              <a:buNone/>
+              <a:defRPr sz="1200" b="1"/>
             </a:lvl9pPr>
           </a:lstStyle>
           <a:p>
             <a:pPr lvl="0"/>
             <a:r>
-              <a:rPr lang="en-US" smtClean="0"/>
+              <a:rPr lang="en-US"/>
               <a:t>Click to edit Master text styles</a:t>
             </a:r>
           </a:p>
@@ -2200,76 +2186,75 @@
         </p:nvSpPr>
         <p:spPr>
           <a:xfrm>
-            <a:off x="457200" y="2174875"/>
-            <a:ext cx="4040188" cy="3951288"/>
+            <a:off x="457200" y="1631156"/>
+            <a:ext cx="4040188" cy="2963466"/>
           </a:xfrm>
         </p:spPr>
         <p:txBody>
           <a:bodyPr/>
           <a:lstStyle>
             <a:lvl1pPr>
-              <a:defRPr sz="2400"/>
+              <a:defRPr sz="1800"/>
             </a:lvl1pPr>
             <a:lvl2pPr>
-              <a:defRPr sz="2000"/>
+              <a:defRPr sz="1500"/>
             </a:lvl2pPr>
             <a:lvl3pPr>
-              <a:defRPr sz="1800"/>
+              <a:defRPr sz="1350"/>
             </a:lvl3pPr>
             <a:lvl4pPr>
-              <a:defRPr sz="1600"/>
+              <a:defRPr sz="1200"/>
             </a:lvl4pPr>
             <a:lvl5pPr>
-              <a:defRPr sz="1600"/>
+              <a:defRPr sz="1200"/>
             </a:lvl5pPr>
             <a:lvl6pPr>
-              <a:defRPr sz="1600"/>
+              <a:defRPr sz="1200"/>
             </a:lvl6pPr>
             <a:lvl7pPr>
-              <a:defRPr sz="1600"/>
+              <a:defRPr sz="1200"/>
             </a:lvl7pPr>
             <a:lvl8pPr>
-              <a:defRPr sz="1600"/>
+              <a:defRPr sz="1200"/>
             </a:lvl8pPr>
             <a:lvl9pPr>
-              <a:defRPr sz="1600"/>
+              <a:defRPr sz="1200"/>
             </a:lvl9pPr>
           </a:lstStyle>
           <a:p>
             <a:pPr lvl="0"/>
             <a:r>
-              <a:rPr lang="en-US" smtClean="0"/>
+              <a:rPr lang="en-US"/>
               <a:t>Click to edit Master text styles</a:t>
             </a:r>
           </a:p>
           <a:p>
             <a:pPr lvl="1"/>
             <a:r>
-              <a:rPr lang="en-US" smtClean="0"/>
+              <a:rPr lang="en-US"/>
               <a:t>Second level</a:t>
             </a:r>
           </a:p>
           <a:p>
             <a:pPr lvl="2"/>
             <a:r>
-              <a:rPr lang="en-US" smtClean="0"/>
+              <a:rPr lang="en-US"/>
               <a:t>Third level</a:t>
             </a:r>
           </a:p>
           <a:p>
             <a:pPr lvl="3"/>
             <a:r>
-              <a:rPr lang="en-US" smtClean="0"/>
+              <a:rPr lang="en-US"/>
               <a:t>Fourth level</a:t>
             </a:r>
           </a:p>
           <a:p>
             <a:pPr lvl="4"/>
             <a:r>
-              <a:rPr lang="en-US" smtClean="0"/>
+              <a:rPr lang="en-US"/>
               <a:t>Fifth level</a:t>
             </a:r>
-            <a:endParaRPr lang="en-US"/>
           </a:p>
         </p:txBody>
       </p:sp>
@@ -2285,8 +2270,8 @@
         </p:nvSpPr>
         <p:spPr>
           <a:xfrm>
-            <a:off x="4645025" y="1535113"/>
-            <a:ext cx="4041775" cy="639762"/>
+            <a:off x="4645026" y="1151335"/>
+            <a:ext cx="4041775" cy="479822"/>
           </a:xfrm>
         </p:spPr>
         <p:txBody>
@@ -2294,45 +2279,45 @@
           <a:lstStyle>
             <a:lvl1pPr marL="0" indent="0">
               <a:buNone/>
-              <a:defRPr sz="2400" b="1"/>
+              <a:defRPr sz="1800" b="1"/>
             </a:lvl1pPr>
-            <a:lvl2pPr marL="457200" indent="0">
-              <a:buNone/>
-              <a:defRPr sz="2000" b="1"/>
+            <a:lvl2pPr marL="342900" indent="0">
+              <a:buNone/>
+              <a:defRPr sz="1500" b="1"/>
             </a:lvl2pPr>
-            <a:lvl3pPr marL="914400" indent="0">
-              <a:buNone/>
-              <a:defRPr sz="1800" b="1"/>
+            <a:lvl3pPr marL="685800" indent="0">
+              <a:buNone/>
+              <a:defRPr sz="1350" b="1"/>
             </a:lvl3pPr>
-            <a:lvl4pPr marL="1371600" indent="0">
-              <a:buNone/>
-              <a:defRPr sz="1600" b="1"/>
+            <a:lvl4pPr marL="1028700" indent="0">
+              <a:buNone/>
+              <a:defRPr sz="1200" b="1"/>
             </a:lvl4pPr>
-            <a:lvl5pPr marL="1828800" indent="0">
-              <a:buNone/>
-              <a:defRPr sz="1600" b="1"/>
+            <a:lvl5pPr marL="1371600" indent="0">
+              <a:buNone/>
+              <a:defRPr sz="1200" b="1"/>
             </a:lvl5pPr>
-            <a:lvl6pPr marL="2286000" indent="0">
-              <a:buNone/>
-              <a:defRPr sz="1600" b="1"/>
+            <a:lvl6pPr marL="1714500" indent="0">
+              <a:buNone/>
+              <a:defRPr sz="1200" b="1"/>
             </a:lvl6pPr>
-            <a:lvl7pPr marL="2743200" indent="0">
-              <a:buNone/>
-              <a:defRPr sz="1600" b="1"/>
+            <a:lvl7pPr marL="2057400" indent="0">
+              <a:buNone/>
+              <a:defRPr sz="1200" b="1"/>
             </a:lvl7pPr>
-            <a:lvl8pPr marL="3200400" indent="0">
-              <a:buNone/>
-              <a:defRPr sz="1600" b="1"/>
+            <a:lvl8pPr marL="2400300" indent="0">
+              <a:buNone/>
+              <a:defRPr sz="1200" b="1"/>
             </a:lvl8pPr>
-            <a:lvl9pPr marL="3657600" indent="0">
-              <a:buNone/>
-              <a:defRPr sz="1600" b="1"/>
+            <a:lvl9pPr marL="2743200" indent="0">
+              <a:buNone/>
+              <a:defRPr sz="1200" b="1"/>
             </a:lvl9pPr>
           </a:lstStyle>
           <a:p>
             <a:pPr lvl="0"/>
             <a:r>
-              <a:rPr lang="en-US" smtClean="0"/>
+              <a:rPr lang="en-US"/>
               <a:t>Click to edit Master text styles</a:t>
             </a:r>
           </a:p>
@@ -2350,76 +2335,75 @@
         </p:nvSpPr>
         <p:spPr>
           <a:xfrm>
-            <a:off x="4645025" y="2174875"/>
-            <a:ext cx="4041775" cy="3951288"/>
+            <a:off x="4645026" y="1631156"/>
+            <a:ext cx="4041775" cy="2963466"/>
           </a:xfrm>
         </p:spPr>
         <p:txBody>
           <a:bodyPr/>
           <a:lstStyle>
             <a:lvl1pPr>
-              <a:defRPr sz="2400"/>
+              <a:defRPr sz="1800"/>
             </a:lvl1pPr>
             <a:lvl2pPr>
-              <a:defRPr sz="2000"/>
+              <a:defRPr sz="1500"/>
             </a:lvl2pPr>
             <a:lvl3pPr>
-              <a:defRPr sz="1800"/>
+              <a:defRPr sz="1350"/>
             </a:lvl3pPr>
             <a:lvl4pPr>
-              <a:defRPr sz="1600"/>
+              <a:defRPr sz="1200"/>
             </a:lvl4pPr>
             <a:lvl5pPr>
-              <a:defRPr sz="1600"/>
+              <a:defRPr sz="1200"/>
             </a:lvl5pPr>
             <a:lvl6pPr>
-              <a:defRPr sz="1600"/>
+              <a:defRPr sz="1200"/>
             </a:lvl6pPr>
             <a:lvl7pPr>
-              <a:defRPr sz="1600"/>
+              <a:defRPr sz="1200"/>
             </a:lvl7pPr>
             <a:lvl8pPr>
-              <a:defRPr sz="1600"/>
+              <a:defRPr sz="1200"/>
             </a:lvl8pPr>
             <a:lvl9pPr>
-              <a:defRPr sz="1600"/>
+              <a:defRPr sz="1200"/>
             </a:lvl9pPr>
           </a:lstStyle>
           <a:p>
             <a:pPr lvl="0"/>
             <a:r>
-              <a:rPr lang="en-US" smtClean="0"/>
+              <a:rPr lang="en-US"/>
               <a:t>Click to edit Master text styles</a:t>
             </a:r>
           </a:p>
           <a:p>
             <a:pPr lvl="1"/>
             <a:r>
-              <a:rPr lang="en-US" smtClean="0"/>
+              <a:rPr lang="en-US"/>
               <a:t>Second level</a:t>
             </a:r>
           </a:p>
           <a:p>
             <a:pPr lvl="2"/>
             <a:r>
-              <a:rPr lang="en-US" smtClean="0"/>
+              <a:rPr lang="en-US"/>
               <a:t>Third level</a:t>
             </a:r>
           </a:p>
           <a:p>
             <a:pPr lvl="3"/>
             <a:r>
-              <a:rPr lang="en-US" smtClean="0"/>
+              <a:rPr lang="en-US"/>
               <a:t>Fourth level</a:t>
             </a:r>
           </a:p>
           <a:p>
             <a:pPr lvl="4"/>
             <a:r>
-              <a:rPr lang="en-US" smtClean="0"/>
+              <a:rPr lang="en-US"/>
               <a:t>Fifth level</a:t>
             </a:r>
-            <a:endParaRPr lang="en-US"/>
           </a:p>
         </p:txBody>
       </p:sp>
@@ -2440,7 +2424,7 @@
           <a:p>
             <a:fld id="{241EB5C9-1307-BA42-ABA2-0BC069CD8E7F}" type="datetimeFigureOut">
               <a:rPr lang="en-US" smtClean="0"/>
-              <a:t>4/5/2019</a:t>
+              <a:t>1/2/22</a:t>
             </a:fld>
             <a:endParaRPr lang="en-US"/>
           </a:p>
@@ -2534,10 +2518,9 @@
           <a:lstStyle/>
           <a:p>
             <a:r>
-              <a:rPr lang="en-US" smtClean="0"/>
+              <a:rPr lang="en-US"/>
               <a:t>Click to edit Master title style</a:t>
             </a:r>
-            <a:endParaRPr lang="en-US"/>
           </a:p>
         </p:txBody>
       </p:sp>
@@ -2558,7 +2541,7 @@
           <a:p>
             <a:fld id="{241EB5C9-1307-BA42-ABA2-0BC069CD8E7F}" type="datetimeFigureOut">
               <a:rPr lang="en-US" smtClean="0"/>
-              <a:t>4/5/2019</a:t>
+              <a:t>1/2/22</a:t>
             </a:fld>
             <a:endParaRPr lang="en-US"/>
           </a:p>
@@ -2653,7 +2636,7 @@
           <a:p>
             <a:fld id="{241EB5C9-1307-BA42-ABA2-0BC069CD8E7F}" type="datetimeFigureOut">
               <a:rPr lang="en-US" smtClean="0"/>
-              <a:t>4/5/2019</a:t>
+              <a:t>1/2/22</a:t>
             </a:fld>
             <a:endParaRPr lang="en-US"/>
           </a:p>
@@ -2743,23 +2726,22 @@
         </p:nvSpPr>
         <p:spPr>
           <a:xfrm>
-            <a:off x="457200" y="273050"/>
-            <a:ext cx="3008313" cy="1162050"/>
+            <a:off x="457201" y="204787"/>
+            <a:ext cx="3008313" cy="871538"/>
           </a:xfrm>
         </p:spPr>
         <p:txBody>
           <a:bodyPr anchor="b"/>
           <a:lstStyle>
             <a:lvl1pPr algn="l">
-              <a:defRPr sz="2000" b="1"/>
+              <a:defRPr sz="1500" b="1"/>
             </a:lvl1pPr>
           </a:lstStyle>
           <a:p>
             <a:r>
-              <a:rPr lang="en-US" smtClean="0"/>
+              <a:rPr lang="en-US"/>
               <a:t>Click to edit Master title style</a:t>
             </a:r>
-            <a:endParaRPr lang="en-US"/>
           </a:p>
         </p:txBody>
       </p:sp>
@@ -2775,76 +2757,75 @@
         </p:nvSpPr>
         <p:spPr>
           <a:xfrm>
-            <a:off x="3575050" y="273050"/>
-            <a:ext cx="5111750" cy="5853113"/>
+            <a:off x="3575050" y="204788"/>
+            <a:ext cx="5111750" cy="4389835"/>
           </a:xfrm>
         </p:spPr>
         <p:txBody>
           <a:bodyPr/>
           <a:lstStyle>
             <a:lvl1pPr>
-              <a:defRPr sz="3200"/>
+              <a:defRPr sz="2400"/>
             </a:lvl1pPr>
             <a:lvl2pPr>
-              <a:defRPr sz="2800"/>
+              <a:defRPr sz="2100"/>
             </a:lvl2pPr>
             <a:lvl3pPr>
-              <a:defRPr sz="2400"/>
+              <a:defRPr sz="1800"/>
             </a:lvl3pPr>
             <a:lvl4pPr>
-              <a:defRPr sz="2000"/>
+              <a:defRPr sz="1500"/>
             </a:lvl4pPr>
             <a:lvl5pPr>
-              <a:defRPr sz="2000"/>
+              <a:defRPr sz="1500"/>
             </a:lvl5pPr>
             <a:lvl6pPr>
-              <a:defRPr sz="2000"/>
+              <a:defRPr sz="1500"/>
             </a:lvl6pPr>
             <a:lvl7pPr>
-              <a:defRPr sz="2000"/>
+              <a:defRPr sz="1500"/>
             </a:lvl7pPr>
             <a:lvl8pPr>
-              <a:defRPr sz="2000"/>
+              <a:defRPr sz="1500"/>
             </a:lvl8pPr>
             <a:lvl9pPr>
-              <a:defRPr sz="2000"/>
+              <a:defRPr sz="1500"/>
             </a:lvl9pPr>
           </a:lstStyle>
           <a:p>
             <a:pPr lvl="0"/>
             <a:r>
-              <a:rPr lang="en-US" smtClean="0"/>
+              <a:rPr lang="en-US"/>
               <a:t>Click to edit Master text styles</a:t>
             </a:r>
           </a:p>
           <a:p>
             <a:pPr lvl="1"/>
             <a:r>
-              <a:rPr lang="en-US" smtClean="0"/>
+              <a:rPr lang="en-US"/>
               <a:t>Second level</a:t>
             </a:r>
           </a:p>
           <a:p>
             <a:pPr lvl="2"/>
             <a:r>
-              <a:rPr lang="en-US" smtClean="0"/>
+              <a:rPr lang="en-US"/>
               <a:t>Third level</a:t>
             </a:r>
           </a:p>
           <a:p>
             <a:pPr lvl="3"/>
             <a:r>
-              <a:rPr lang="en-US" smtClean="0"/>
+              <a:rPr lang="en-US"/>
               <a:t>Fourth level</a:t>
             </a:r>
           </a:p>
           <a:p>
             <a:pPr lvl="4"/>
             <a:r>
-              <a:rPr lang="en-US" smtClean="0"/>
+              <a:rPr lang="en-US"/>
               <a:t>Fifth level</a:t>
             </a:r>
-            <a:endParaRPr lang="en-US"/>
           </a:p>
         </p:txBody>
       </p:sp>
@@ -2860,8 +2841,8 @@
         </p:nvSpPr>
         <p:spPr>
           <a:xfrm>
-            <a:off x="457200" y="1435100"/>
-            <a:ext cx="3008313" cy="4691063"/>
+            <a:off x="457201" y="1076326"/>
+            <a:ext cx="3008313" cy="3518297"/>
           </a:xfrm>
         </p:spPr>
         <p:txBody>
@@ -2869,45 +2850,45 @@
           <a:lstStyle>
             <a:lvl1pPr marL="0" indent="0">
               <a:buNone/>
-              <a:defRPr sz="1400"/>
+              <a:defRPr sz="1050"/>
             </a:lvl1pPr>
-            <a:lvl2pPr marL="457200" indent="0">
-              <a:buNone/>
-              <a:defRPr sz="1200"/>
+            <a:lvl2pPr marL="342900" indent="0">
+              <a:buNone/>
+              <a:defRPr sz="900"/>
             </a:lvl2pPr>
-            <a:lvl3pPr marL="914400" indent="0">
-              <a:buNone/>
-              <a:defRPr sz="1000"/>
+            <a:lvl3pPr marL="685800" indent="0">
+              <a:buNone/>
+              <a:defRPr sz="750"/>
             </a:lvl3pPr>
-            <a:lvl4pPr marL="1371600" indent="0">
-              <a:buNone/>
-              <a:defRPr sz="900"/>
+            <a:lvl4pPr marL="1028700" indent="0">
+              <a:buNone/>
+              <a:defRPr sz="675"/>
             </a:lvl4pPr>
-            <a:lvl5pPr marL="1828800" indent="0">
-              <a:buNone/>
-              <a:defRPr sz="900"/>
+            <a:lvl5pPr marL="1371600" indent="0">
+              <a:buNone/>
+              <a:defRPr sz="675"/>
             </a:lvl5pPr>
-            <a:lvl6pPr marL="2286000" indent="0">
-              <a:buNone/>
-              <a:defRPr sz="900"/>
+            <a:lvl6pPr marL="1714500" indent="0">
+              <a:buNone/>
+              <a:defRPr sz="675"/>
             </a:lvl6pPr>
-            <a:lvl7pPr marL="2743200" indent="0">
-              <a:buNone/>
-              <a:defRPr sz="900"/>
+            <a:lvl7pPr marL="2057400" indent="0">
+              <a:buNone/>
+              <a:defRPr sz="675"/>
             </a:lvl7pPr>
-            <a:lvl8pPr marL="3200400" indent="0">
-              <a:buNone/>
-              <a:defRPr sz="900"/>
+            <a:lvl8pPr marL="2400300" indent="0">
+              <a:buNone/>
+              <a:defRPr sz="675"/>
             </a:lvl8pPr>
-            <a:lvl9pPr marL="3657600" indent="0">
-              <a:buNone/>
-              <a:defRPr sz="900"/>
+            <a:lvl9pPr marL="2743200" indent="0">
+              <a:buNone/>
+              <a:defRPr sz="675"/>
             </a:lvl9pPr>
           </a:lstStyle>
           <a:p>
             <a:pPr lvl="0"/>
             <a:r>
-              <a:rPr lang="en-US" smtClean="0"/>
+              <a:rPr lang="en-US"/>
               <a:t>Click to edit Master text styles</a:t>
             </a:r>
           </a:p>
@@ -2930,7 +2911,7 @@
           <a:p>
             <a:fld id="{241EB5C9-1307-BA42-ABA2-0BC069CD8E7F}" type="datetimeFigureOut">
               <a:rPr lang="en-US" smtClean="0"/>
-              <a:t>4/5/2019</a:t>
+              <a:t>1/2/22</a:t>
             </a:fld>
             <a:endParaRPr lang="en-US"/>
           </a:p>
@@ -3020,23 +3001,22 @@
         </p:nvSpPr>
         <p:spPr>
           <a:xfrm>
-            <a:off x="1792288" y="4800600"/>
-            <a:ext cx="5486400" cy="566738"/>
+            <a:off x="1792288" y="3600450"/>
+            <a:ext cx="5486400" cy="425054"/>
           </a:xfrm>
         </p:spPr>
         <p:txBody>
           <a:bodyPr anchor="b"/>
           <a:lstStyle>
             <a:lvl1pPr algn="l">
-              <a:defRPr sz="2000" b="1"/>
+              <a:defRPr sz="1500" b="1"/>
             </a:lvl1pPr>
           </a:lstStyle>
           <a:p>
             <a:r>
-              <a:rPr lang="en-US" smtClean="0"/>
+              <a:rPr lang="en-US"/>
               <a:t>Click to edit Master title style</a:t>
             </a:r>
-            <a:endParaRPr lang="en-US"/>
           </a:p>
         </p:txBody>
       </p:sp>
@@ -3052,8 +3032,8 @@
         </p:nvSpPr>
         <p:spPr>
           <a:xfrm>
-            <a:off x="1792288" y="612775"/>
-            <a:ext cx="5486400" cy="4114800"/>
+            <a:off x="1792288" y="459581"/>
+            <a:ext cx="5486400" cy="3086100"/>
           </a:xfrm>
         </p:spPr>
         <p:txBody>
@@ -3061,39 +3041,39 @@
           <a:lstStyle>
             <a:lvl1pPr marL="0" indent="0">
               <a:buNone/>
-              <a:defRPr sz="3200"/>
+              <a:defRPr sz="2400"/>
             </a:lvl1pPr>
-            <a:lvl2pPr marL="457200" indent="0">
-              <a:buNone/>
-              <a:defRPr sz="2800"/>
+            <a:lvl2pPr marL="342900" indent="0">
+              <a:buNone/>
+              <a:defRPr sz="2100"/>
             </a:lvl2pPr>
-            <a:lvl3pPr marL="914400" indent="0">
-              <a:buNone/>
-              <a:defRPr sz="2400"/>
+            <a:lvl3pPr marL="685800" indent="0">
+              <a:buNone/>
+              <a:defRPr sz="1800"/>
             </a:lvl3pPr>
-            <a:lvl4pPr marL="1371600" indent="0">
-              <a:buNone/>
-              <a:defRPr sz="2000"/>
+            <a:lvl4pPr marL="1028700" indent="0">
+              <a:buNone/>
+              <a:defRPr sz="1500"/>
             </a:lvl4pPr>
-            <a:lvl5pPr marL="1828800" indent="0">
-              <a:buNone/>
-              <a:defRPr sz="2000"/>
+            <a:lvl5pPr marL="1371600" indent="0">
+              <a:buNone/>
+              <a:defRPr sz="1500"/>
             </a:lvl5pPr>
-            <a:lvl6pPr marL="2286000" indent="0">
-              <a:buNone/>
-              <a:defRPr sz="2000"/>
+            <a:lvl6pPr marL="1714500" indent="0">
+              <a:buNone/>
+              <a:defRPr sz="1500"/>
             </a:lvl6pPr>
-            <a:lvl7pPr marL="2743200" indent="0">
-              <a:buNone/>
-              <a:defRPr sz="2000"/>
+            <a:lvl7pPr marL="2057400" indent="0">
+              <a:buNone/>
+              <a:defRPr sz="1500"/>
             </a:lvl7pPr>
-            <a:lvl8pPr marL="3200400" indent="0">
-              <a:buNone/>
-              <a:defRPr sz="2000"/>
+            <a:lvl8pPr marL="2400300" indent="0">
+              <a:buNone/>
+              <a:defRPr sz="1500"/>
             </a:lvl8pPr>
-            <a:lvl9pPr marL="3657600" indent="0">
-              <a:buNone/>
-              <a:defRPr sz="2000"/>
+            <a:lvl9pPr marL="2743200" indent="0">
+              <a:buNone/>
+              <a:defRPr sz="1500"/>
             </a:lvl9pPr>
           </a:lstStyle>
           <a:p>
@@ -3113,8 +3093,8 @@
         </p:nvSpPr>
         <p:spPr>
           <a:xfrm>
-            <a:off x="1792288" y="5367338"/>
-            <a:ext cx="5486400" cy="804862"/>
+            <a:off x="1792288" y="4025503"/>
+            <a:ext cx="5486400" cy="603647"/>
           </a:xfrm>
         </p:spPr>
         <p:txBody>
@@ -3122,45 +3102,45 @@
           <a:lstStyle>
             <a:lvl1pPr marL="0" indent="0">
               <a:buNone/>
-              <a:defRPr sz="1400"/>
+              <a:defRPr sz="1050"/>
             </a:lvl1pPr>
-            <a:lvl2pPr marL="457200" indent="0">
-              <a:buNone/>
-              <a:defRPr sz="1200"/>
+            <a:lvl2pPr marL="342900" indent="0">
+              <a:buNone/>
+              <a:defRPr sz="900"/>
             </a:lvl2pPr>
-            <a:lvl3pPr marL="914400" indent="0">
-              <a:buNone/>
-              <a:defRPr sz="1000"/>
+            <a:lvl3pPr marL="685800" indent="0">
+              <a:buNone/>
+              <a:defRPr sz="750"/>
             </a:lvl3pPr>
-            <a:lvl4pPr marL="1371600" indent="0">
-              <a:buNone/>
-              <a:defRPr sz="900"/>
+            <a:lvl4pPr marL="1028700" indent="0">
+              <a:buNone/>
+              <a:defRPr sz="675"/>
             </a:lvl4pPr>
-            <a:lvl5pPr marL="1828800" indent="0">
-              <a:buNone/>
-              <a:defRPr sz="900"/>
+            <a:lvl5pPr marL="1371600" indent="0">
+              <a:buNone/>
+              <a:defRPr sz="675"/>
             </a:lvl5pPr>
-            <a:lvl6pPr marL="2286000" indent="0">
-              <a:buNone/>
-              <a:defRPr sz="900"/>
+            <a:lvl6pPr marL="1714500" indent="0">
+              <a:buNone/>
+              <a:defRPr sz="675"/>
             </a:lvl6pPr>
-            <a:lvl7pPr marL="2743200" indent="0">
-              <a:buNone/>
-              <a:defRPr sz="900"/>
+            <a:lvl7pPr marL="2057400" indent="0">
+              <a:buNone/>
+              <a:defRPr sz="675"/>
             </a:lvl7pPr>
-            <a:lvl8pPr marL="3200400" indent="0">
-              <a:buNone/>
-              <a:defRPr sz="900"/>
+            <a:lvl8pPr marL="2400300" indent="0">
+              <a:buNone/>
+              <a:defRPr sz="675"/>
             </a:lvl8pPr>
-            <a:lvl9pPr marL="3657600" indent="0">
-              <a:buNone/>
-              <a:defRPr sz="900"/>
+            <a:lvl9pPr marL="2743200" indent="0">
+              <a:buNone/>
+              <a:defRPr sz="675"/>
             </a:lvl9pPr>
           </a:lstStyle>
           <a:p>
             <a:pPr lvl="0"/>
             <a:r>
-              <a:rPr lang="en-US" smtClean="0"/>
+              <a:rPr lang="en-US"/>
               <a:t>Click to edit Master text styles</a:t>
             </a:r>
           </a:p>
@@ -3183,7 +3163,7 @@
           <a:p>
             <a:fld id="{241EB5C9-1307-BA42-ABA2-0BC069CD8E7F}" type="datetimeFigureOut">
               <a:rPr lang="en-US" smtClean="0"/>
-              <a:t>4/5/2019</a:t>
+              <a:t>1/2/22</a:t>
             </a:fld>
             <a:endParaRPr lang="en-US"/>
           </a:p>
@@ -3278,8 +3258,8 @@
         </p:nvSpPr>
         <p:spPr>
           <a:xfrm>
-            <a:off x="457200" y="274638"/>
-            <a:ext cx="8229600" cy="1143000"/>
+            <a:off x="457200" y="205979"/>
+            <a:ext cx="8229600" cy="857250"/>
           </a:xfrm>
           <a:prstGeom prst="rect">
             <a:avLst/>
@@ -3292,10 +3272,9 @@
           <a:lstStyle/>
           <a:p>
             <a:r>
-              <a:rPr lang="en-US" smtClean="0"/>
+              <a:rPr lang="en-US"/>
               <a:t>Click to edit Master title style</a:t>
             </a:r>
-            <a:endParaRPr lang="en-US"/>
           </a:p>
         </p:txBody>
       </p:sp>
@@ -3311,8 +3290,8 @@
         </p:nvSpPr>
         <p:spPr>
           <a:xfrm>
-            <a:off x="457200" y="1600200"/>
-            <a:ext cx="8229600" cy="4525963"/>
+            <a:off x="457200" y="1200151"/>
+            <a:ext cx="8229600" cy="3394472"/>
           </a:xfrm>
           <a:prstGeom prst="rect">
             <a:avLst/>
@@ -3326,38 +3305,37 @@
           <a:p>
             <a:pPr lvl="0"/>
             <a:r>
-              <a:rPr lang="en-US" smtClean="0"/>
+              <a:rPr lang="en-US"/>
               <a:t>Click to edit Master text styles</a:t>
             </a:r>
           </a:p>
           <a:p>
             <a:pPr lvl="1"/>
             <a:r>
-              <a:rPr lang="en-US" smtClean="0"/>
+              <a:rPr lang="en-US"/>
               <a:t>Second level</a:t>
             </a:r>
           </a:p>
           <a:p>
             <a:pPr lvl="2"/>
             <a:r>
-              <a:rPr lang="en-US" smtClean="0"/>
+              <a:rPr lang="en-US"/>
               <a:t>Third level</a:t>
             </a:r>
           </a:p>
           <a:p>
             <a:pPr lvl="3"/>
             <a:r>
-              <a:rPr lang="en-US" smtClean="0"/>
+              <a:rPr lang="en-US"/>
               <a:t>Fourth level</a:t>
             </a:r>
           </a:p>
           <a:p>
             <a:pPr lvl="4"/>
             <a:r>
-              <a:rPr lang="en-US" smtClean="0"/>
+              <a:rPr lang="en-US"/>
               <a:t>Fifth level</a:t>
             </a:r>
-            <a:endParaRPr lang="en-US"/>
           </a:p>
         </p:txBody>
       </p:sp>
@@ -3373,8 +3351,8 @@
         </p:nvSpPr>
         <p:spPr>
           <a:xfrm>
-            <a:off x="457200" y="6356350"/>
-            <a:ext cx="2133600" cy="365125"/>
+            <a:off x="457200" y="4767263"/>
+            <a:ext cx="2133600" cy="273844"/>
           </a:xfrm>
           <a:prstGeom prst="rect">
             <a:avLst/>
@@ -3384,7 +3362,7 @@
           <a:bodyPr anchor="ctr" bIns="45720" lIns="91440" rIns="91440" rtlCol="0" tIns="45720" vert="horz"/>
           <a:lstStyle>
             <a:lvl1pPr algn="l">
-              <a:defRPr sz="1200">
+              <a:defRPr sz="900">
                 <a:solidFill>
                   <a:schemeClr val="tx1">
                     <a:tint val="75000"/>
@@ -3396,7 +3374,7 @@
           <a:p>
             <a:fld id="{241EB5C9-1307-BA42-ABA2-0BC069CD8E7F}" type="datetimeFigureOut">
               <a:rPr lang="en-US" smtClean="0"/>
-              <a:t>4/5/2019</a:t>
+              <a:t>1/2/22</a:t>
             </a:fld>
             <a:endParaRPr lang="en-US"/>
           </a:p>
@@ -3414,8 +3392,8 @@
         </p:nvSpPr>
         <p:spPr>
           <a:xfrm>
-            <a:off x="3124200" y="6356350"/>
-            <a:ext cx="2895600" cy="365125"/>
+            <a:off x="3124200" y="4767263"/>
+            <a:ext cx="2895600" cy="273844"/>
           </a:xfrm>
           <a:prstGeom prst="rect">
             <a:avLst/>
@@ -3425,7 +3403,7 @@
           <a:bodyPr anchor="ctr" bIns="45720" lIns="91440" rIns="91440" rtlCol="0" tIns="45720" vert="horz"/>
           <a:lstStyle>
             <a:lvl1pPr algn="ctr">
-              <a:defRPr sz="1200">
+              <a:defRPr sz="900">
                 <a:solidFill>
                   <a:schemeClr val="tx1">
                     <a:tint val="75000"/>
@@ -3451,8 +3429,8 @@
         </p:nvSpPr>
         <p:spPr>
           <a:xfrm>
-            <a:off x="6553200" y="6356350"/>
-            <a:ext cx="2133600" cy="365125"/>
+            <a:off x="6553200" y="4767263"/>
+            <a:ext cx="2133600" cy="273844"/>
           </a:xfrm>
           <a:prstGeom prst="rect">
             <a:avLst/>
@@ -3462,7 +3440,7 @@
           <a:bodyPr anchor="ctr" bIns="45720" lIns="91440" rIns="91440" rtlCol="0" tIns="45720" vert="horz"/>
           <a:lstStyle>
             <a:lvl1pPr algn="r">
-              <a:defRPr sz="1200">
+              <a:defRPr sz="900">
                 <a:solidFill>
                   <a:schemeClr val="tx1">
                     <a:tint val="75000"/>
@@ -3503,12 +3481,12 @@
   </p:sldLayoutIdLst>
   <p:txStyles>
     <p:titleStyle>
-      <a:lvl1pPr algn="ctr" defTabSz="457200" eaLnBrk="1" hangingPunct="1" latinLnBrk="0" rtl="0">
+      <a:lvl1pPr algn="ctr" defTabSz="342900" eaLnBrk="1" hangingPunct="1" latinLnBrk="0" rtl="0">
         <a:spcBef>
           <a:spcPct val="0"/>
         </a:spcBef>
         <a:buNone/>
-        <a:defRPr kern="1200" sz="4400">
+        <a:defRPr kern="1200" sz="3300">
           <a:solidFill>
             <a:schemeClr val="tx1"/>
           </a:solidFill>
@@ -3519,37 +3497,7 @@
       </a:lvl1pPr>
     </p:titleStyle>
     <p:bodyStyle>
-      <a:lvl1pPr algn="l" defTabSz="457200" eaLnBrk="1" hangingPunct="1" indent="-457200" latinLnBrk="0" marL="457200" rtl="0">
-        <a:spcBef>
-          <a:spcPct val="20000"/>
-        </a:spcBef>
-        <a:buFont typeface="Arial"/>
-        <a:buChar char="•"/>
-        <a:defRPr kern="1200" sz="3200">
-          <a:solidFill>
-            <a:schemeClr val="tx1"/>
-          </a:solidFill>
-          <a:latin typeface="+mn-lt"/>
-          <a:ea typeface="+mn-ea"/>
-          <a:cs typeface="+mn-cs"/>
-        </a:defRPr>
-      </a:lvl1pPr>
-      <a:lvl2pPr algn="l" defTabSz="457200" eaLnBrk="1" hangingPunct="1" indent="-457200" latinLnBrk="0" marL="914400" rtl="0">
-        <a:spcBef>
-          <a:spcPct val="20000"/>
-        </a:spcBef>
-        <a:buFont typeface="Arial"/>
-        <a:buChar char="–"/>
-        <a:defRPr kern="1200" sz="2800">
-          <a:solidFill>
-            <a:schemeClr val="tx1"/>
-          </a:solidFill>
-          <a:latin typeface="+mn-lt"/>
-          <a:ea typeface="+mn-ea"/>
-          <a:cs typeface="+mn-cs"/>
-        </a:defRPr>
-      </a:lvl2pPr>
-      <a:lvl3pPr algn="l" defTabSz="457200" eaLnBrk="1" hangingPunct="1" indent="-457200" latinLnBrk="0" marL="1371600" rtl="0">
+      <a:lvl1pPr algn="l" defTabSz="342900" eaLnBrk="1" hangingPunct="1" indent="-342900" latinLnBrk="0" marL="342900" rtl="0">
         <a:spcBef>
           <a:spcPct val="20000"/>
         </a:spcBef>
@@ -3563,14 +3511,44 @@
           <a:ea typeface="+mn-ea"/>
           <a:cs typeface="+mn-cs"/>
         </a:defRPr>
-      </a:lvl3pPr>
-      <a:lvl4pPr algn="l" defTabSz="457200" eaLnBrk="1" hangingPunct="1" indent="-457200" latinLnBrk="0" marL="1828800" rtl="0">
+      </a:lvl1pPr>
+      <a:lvl2pPr algn="l" defTabSz="342900" eaLnBrk="1" hangingPunct="1" indent="-342900" latinLnBrk="0" marL="685800" rtl="0">
         <a:spcBef>
           <a:spcPct val="20000"/>
         </a:spcBef>
         <a:buFont typeface="Arial"/>
         <a:buChar char="–"/>
-        <a:defRPr kern="1200" sz="2000">
+        <a:defRPr kern="1200" sz="2100">
+          <a:solidFill>
+            <a:schemeClr val="tx1"/>
+          </a:solidFill>
+          <a:latin typeface="+mn-lt"/>
+          <a:ea typeface="+mn-ea"/>
+          <a:cs typeface="+mn-cs"/>
+        </a:defRPr>
+      </a:lvl2pPr>
+      <a:lvl3pPr algn="l" defTabSz="342900" eaLnBrk="1" hangingPunct="1" indent="-342900" latinLnBrk="0" marL="1028700" rtl="0">
+        <a:spcBef>
+          <a:spcPct val="20000"/>
+        </a:spcBef>
+        <a:buFont typeface="Arial"/>
+        <a:buChar char="•"/>
+        <a:defRPr kern="1200" sz="1800">
+          <a:solidFill>
+            <a:schemeClr val="tx1"/>
+          </a:solidFill>
+          <a:latin typeface="+mn-lt"/>
+          <a:ea typeface="+mn-ea"/>
+          <a:cs typeface="+mn-cs"/>
+        </a:defRPr>
+      </a:lvl3pPr>
+      <a:lvl4pPr algn="l" defTabSz="342900" eaLnBrk="1" hangingPunct="1" indent="-342900" latinLnBrk="0" marL="1371600" rtl="0">
+        <a:spcBef>
+          <a:spcPct val="20000"/>
+        </a:spcBef>
+        <a:buFont typeface="Arial"/>
+        <a:buChar char="–"/>
+        <a:defRPr kern="1200" sz="1500">
           <a:solidFill>
             <a:schemeClr val="tx1"/>
           </a:solidFill>
@@ -3579,13 +3557,13 @@
           <a:cs typeface="+mn-cs"/>
         </a:defRPr>
       </a:lvl4pPr>
-      <a:lvl5pPr algn="l" defTabSz="457200" eaLnBrk="1" hangingPunct="1" indent="-457200" latinLnBrk="0" marL="2286000" rtl="0">
+      <a:lvl5pPr algn="l" defTabSz="342900" eaLnBrk="1" hangingPunct="1" indent="-342900" latinLnBrk="0" marL="1714500" rtl="0">
         <a:spcBef>
           <a:spcPct val="20000"/>
         </a:spcBef>
         <a:buFont typeface="Arial"/>
         <a:buChar char="»"/>
-        <a:defRPr kern="1200" sz="2000">
+        <a:defRPr kern="1200" sz="1500">
           <a:solidFill>
             <a:schemeClr val="tx1"/>
           </a:solidFill>
@@ -3594,13 +3572,13 @@
           <a:cs typeface="+mn-cs"/>
         </a:defRPr>
       </a:lvl5pPr>
-      <a:lvl6pPr algn="l" defTabSz="457200" eaLnBrk="1" hangingPunct="1" indent="-457200" latinLnBrk="0" marL="2743200" rtl="0">
+      <a:lvl6pPr algn="l" defTabSz="342900" eaLnBrk="1" hangingPunct="1" indent="-342900" latinLnBrk="0" marL="2057400" rtl="0">
         <a:spcBef>
           <a:spcPct val="20000"/>
         </a:spcBef>
         <a:buFont typeface="Arial"/>
         <a:buChar char="•"/>
-        <a:defRPr kern="1200" sz="2000">
+        <a:defRPr kern="1200" sz="1500">
           <a:solidFill>
             <a:schemeClr val="tx1"/>
           </a:solidFill>
@@ -3609,13 +3587,13 @@
           <a:cs typeface="+mn-cs"/>
         </a:defRPr>
       </a:lvl6pPr>
-      <a:lvl7pPr algn="l" defTabSz="457200" eaLnBrk="1" hangingPunct="1" indent="-457200" latinLnBrk="0" marL="3200400" rtl="0">
+      <a:lvl7pPr algn="l" defTabSz="342900" eaLnBrk="1" hangingPunct="1" indent="-342900" latinLnBrk="0" marL="2400300" rtl="0">
         <a:spcBef>
           <a:spcPct val="20000"/>
         </a:spcBef>
         <a:buFont typeface="Arial"/>
         <a:buChar char="•"/>
-        <a:defRPr kern="1200" sz="2000">
+        <a:defRPr kern="1200" sz="1500">
           <a:solidFill>
             <a:schemeClr val="tx1"/>
           </a:solidFill>
@@ -3624,13 +3602,13 @@
           <a:cs typeface="+mn-cs"/>
         </a:defRPr>
       </a:lvl7pPr>
-      <a:lvl8pPr algn="l" defTabSz="457200" eaLnBrk="1" hangingPunct="1" indent="-457200" latinLnBrk="0" marL="3657600" rtl="0">
+      <a:lvl8pPr algn="l" defTabSz="342900" eaLnBrk="1" hangingPunct="1" indent="-342900" latinLnBrk="0" marL="2743200" rtl="0">
         <a:spcBef>
           <a:spcPct val="20000"/>
         </a:spcBef>
         <a:buFont typeface="Arial"/>
         <a:buChar char="•"/>
-        <a:defRPr kern="1200" sz="2000">
+        <a:defRPr kern="1200" sz="1500">
           <a:solidFill>
             <a:schemeClr val="tx1"/>
           </a:solidFill>
@@ -3639,13 +3617,13 @@
           <a:cs typeface="+mn-cs"/>
         </a:defRPr>
       </a:lvl8pPr>
-      <a:lvl9pPr algn="l" defTabSz="457200" eaLnBrk="1" hangingPunct="1" indent="-457200" latinLnBrk="0" marL="4114800" rtl="0">
+      <a:lvl9pPr algn="l" defTabSz="342900" eaLnBrk="1" hangingPunct="1" indent="-342900" latinLnBrk="0" marL="3086100" rtl="0">
         <a:spcBef>
           <a:spcPct val="20000"/>
         </a:spcBef>
         <a:buFont typeface="Arial"/>
         <a:buChar char="•"/>
-        <a:defRPr kern="1200" sz="2000">
+        <a:defRPr kern="1200" sz="1500">
           <a:solidFill>
             <a:schemeClr val="tx1"/>
           </a:solidFill>
@@ -3659,8 +3637,8 @@
       <a:defPPr>
         <a:defRPr lang="en-US"/>
       </a:defPPr>
-      <a:lvl1pPr algn="l" defTabSz="457200" eaLnBrk="1" hangingPunct="1" latinLnBrk="0" marL="0" rtl="0">
-        <a:defRPr kern="1200" sz="1800">
+      <a:lvl1pPr algn="l" defTabSz="342900" eaLnBrk="1" hangingPunct="1" latinLnBrk="0" marL="0" rtl="0">
+        <a:defRPr kern="1200" sz="1350">
           <a:solidFill>
             <a:schemeClr val="tx1"/>
           </a:solidFill>
@@ -3669,8 +3647,8 @@
           <a:cs typeface="+mn-cs"/>
         </a:defRPr>
       </a:lvl1pPr>
-      <a:lvl2pPr algn="l" defTabSz="457200" eaLnBrk="1" hangingPunct="1" latinLnBrk="0" marL="457200" rtl="0">
-        <a:defRPr kern="1200" sz="1800">
+      <a:lvl2pPr algn="l" defTabSz="342900" eaLnBrk="1" hangingPunct="1" latinLnBrk="0" marL="342900" rtl="0">
+        <a:defRPr kern="1200" sz="1350">
           <a:solidFill>
             <a:schemeClr val="tx1"/>
           </a:solidFill>
@@ -3679,8 +3657,8 @@
           <a:cs typeface="+mn-cs"/>
         </a:defRPr>
       </a:lvl2pPr>
-      <a:lvl3pPr algn="l" defTabSz="457200" eaLnBrk="1" hangingPunct="1" latinLnBrk="0" marL="914400" rtl="0">
-        <a:defRPr kern="1200" sz="1800">
+      <a:lvl3pPr algn="l" defTabSz="342900" eaLnBrk="1" hangingPunct="1" latinLnBrk="0" marL="685800" rtl="0">
+        <a:defRPr kern="1200" sz="1350">
           <a:solidFill>
             <a:schemeClr val="tx1"/>
           </a:solidFill>
@@ -3689,8 +3667,8 @@
           <a:cs typeface="+mn-cs"/>
         </a:defRPr>
       </a:lvl3pPr>
-      <a:lvl4pPr algn="l" defTabSz="457200" eaLnBrk="1" hangingPunct="1" latinLnBrk="0" marL="1371600" rtl="0">
-        <a:defRPr kern="1200" sz="1800">
+      <a:lvl4pPr algn="l" defTabSz="342900" eaLnBrk="1" hangingPunct="1" latinLnBrk="0" marL="1028700" rtl="0">
+        <a:defRPr kern="1200" sz="1350">
           <a:solidFill>
             <a:schemeClr val="tx1"/>
           </a:solidFill>
@@ -3699,8 +3677,8 @@
           <a:cs typeface="+mn-cs"/>
         </a:defRPr>
       </a:lvl4pPr>
-      <a:lvl5pPr algn="l" defTabSz="457200" eaLnBrk="1" hangingPunct="1" latinLnBrk="0" marL="1828800" rtl="0">
-        <a:defRPr kern="1200" sz="1800">
+      <a:lvl5pPr algn="l" defTabSz="342900" eaLnBrk="1" hangingPunct="1" latinLnBrk="0" marL="1371600" rtl="0">
+        <a:defRPr kern="1200" sz="1350">
           <a:solidFill>
             <a:schemeClr val="tx1"/>
           </a:solidFill>
@@ -3709,8 +3687,8 @@
           <a:cs typeface="+mn-cs"/>
         </a:defRPr>
       </a:lvl5pPr>
-      <a:lvl6pPr algn="l" defTabSz="457200" eaLnBrk="1" hangingPunct="1" latinLnBrk="0" marL="2286000" rtl="0">
-        <a:defRPr kern="1200" sz="1800">
+      <a:lvl6pPr algn="l" defTabSz="342900" eaLnBrk="1" hangingPunct="1" latinLnBrk="0" marL="1714500" rtl="0">
+        <a:defRPr kern="1200" sz="1350">
           <a:solidFill>
             <a:schemeClr val="tx1"/>
           </a:solidFill>
@@ -3719,8 +3697,8 @@
           <a:cs typeface="+mn-cs"/>
         </a:defRPr>
       </a:lvl6pPr>
-      <a:lvl7pPr algn="l" defTabSz="457200" eaLnBrk="1" hangingPunct="1" latinLnBrk="0" marL="2743200" rtl="0">
-        <a:defRPr kern="1200" sz="1800">
+      <a:lvl7pPr algn="l" defTabSz="342900" eaLnBrk="1" hangingPunct="1" latinLnBrk="0" marL="2057400" rtl="0">
+        <a:defRPr kern="1200" sz="1350">
           <a:solidFill>
             <a:schemeClr val="tx1"/>
           </a:solidFill>
@@ -3729,8 +3707,8 @@
           <a:cs typeface="+mn-cs"/>
         </a:defRPr>
       </a:lvl7pPr>
-      <a:lvl8pPr algn="l" defTabSz="457200" eaLnBrk="1" hangingPunct="1" latinLnBrk="0" marL="3200400" rtl="0">
-        <a:defRPr kern="1200" sz="1800">
+      <a:lvl8pPr algn="l" defTabSz="342900" eaLnBrk="1" hangingPunct="1" latinLnBrk="0" marL="2400300" rtl="0">
+        <a:defRPr kern="1200" sz="1350">
           <a:solidFill>
             <a:schemeClr val="tx1"/>
           </a:solidFill>
@@ -3739,8 +3717,8 @@
           <a:cs typeface="+mn-cs"/>
         </a:defRPr>
       </a:lvl8pPr>
-      <a:lvl9pPr algn="l" defTabSz="457200" eaLnBrk="1" hangingPunct="1" latinLnBrk="0" marL="3657600" rtl="0">
-        <a:defRPr kern="1200" sz="1800">
+      <a:lvl9pPr algn="l" defTabSz="342900" eaLnBrk="1" hangingPunct="1" latinLnBrk="0" marL="2743200" rtl="0">
+        <a:defRPr kern="1200" sz="1350">
           <a:solidFill>
             <a:schemeClr val="tx1"/>
           </a:solidFill>
